--- a/docs/Flexbox_Grid.pptx
+++ b/docs/Flexbox_Grid.pptx
@@ -8,17 +8,19 @@
     <p:sldId id="256" r:id="rId2"/>
     <p:sldId id="257" r:id="rId3"/>
     <p:sldId id="258" r:id="rId4"/>
-    <p:sldId id="259" r:id="rId5"/>
-    <p:sldId id="260" r:id="rId6"/>
-    <p:sldId id="262" r:id="rId7"/>
-    <p:sldId id="263" r:id="rId8"/>
-    <p:sldId id="265" r:id="rId9"/>
-    <p:sldId id="267" r:id="rId10"/>
-    <p:sldId id="266" r:id="rId11"/>
-    <p:sldId id="269" r:id="rId12"/>
-    <p:sldId id="272" r:id="rId13"/>
-    <p:sldId id="271" r:id="rId14"/>
-    <p:sldId id="270" r:id="rId15"/>
+    <p:sldId id="273" r:id="rId5"/>
+    <p:sldId id="259" r:id="rId6"/>
+    <p:sldId id="260" r:id="rId7"/>
+    <p:sldId id="262" r:id="rId8"/>
+    <p:sldId id="263" r:id="rId9"/>
+    <p:sldId id="265" r:id="rId10"/>
+    <p:sldId id="267" r:id="rId11"/>
+    <p:sldId id="274" r:id="rId12"/>
+    <p:sldId id="266" r:id="rId13"/>
+    <p:sldId id="269" r:id="rId14"/>
+    <p:sldId id="272" r:id="rId15"/>
+    <p:sldId id="271" r:id="rId16"/>
+    <p:sldId id="270" r:id="rId17"/>
   </p:sldIdLst>
   <p:sldSz cx="12192000" cy="6858000"/>
   <p:notesSz cx="6858000" cy="9144000"/>
@@ -325,7 +327,7 @@
             <a:fld id="{B61BEF0D-F0BB-DE4B-95CE-6DB70DBA9567}" type="datetimeFigureOut">
               <a:rPr lang="en-US" dirty="0"/>
               <a:pPr/>
-              <a:t>9/19/2019</a:t>
+              <a:t>9/20/2019</a:t>
             </a:fld>
             <a:endParaRPr lang="en-US" dirty="0"/>
           </a:p>
@@ -660,7 +662,7 @@
             <a:fld id="{B61BEF0D-F0BB-DE4B-95CE-6DB70DBA9567}" type="datetimeFigureOut">
               <a:rPr lang="en-US" dirty="0"/>
               <a:pPr/>
-              <a:t>9/19/2019</a:t>
+              <a:t>9/20/2019</a:t>
             </a:fld>
             <a:endParaRPr lang="en-US" dirty="0"/>
           </a:p>
@@ -1058,7 +1060,7 @@
             <a:fld id="{B61BEF0D-F0BB-DE4B-95CE-6DB70DBA9567}" type="datetimeFigureOut">
               <a:rPr lang="en-US" dirty="0"/>
               <a:pPr/>
-              <a:t>9/19/2019</a:t>
+              <a:t>9/20/2019</a:t>
             </a:fld>
             <a:endParaRPr lang="en-US" dirty="0"/>
           </a:p>
@@ -1391,7 +1393,7 @@
             <a:fld id="{B61BEF0D-F0BB-DE4B-95CE-6DB70DBA9567}" type="datetimeFigureOut">
               <a:rPr lang="en-US" dirty="0"/>
               <a:pPr/>
-              <a:t>9/19/2019</a:t>
+              <a:t>9/20/2019</a:t>
             </a:fld>
             <a:endParaRPr lang="en-US" dirty="0"/>
           </a:p>
@@ -1708,7 +1710,7 @@
             <a:fld id="{B61BEF0D-F0BB-DE4B-95CE-6DB70DBA9567}" type="datetimeFigureOut">
               <a:rPr lang="en-US" dirty="0"/>
               <a:pPr/>
-              <a:t>9/19/2019</a:t>
+              <a:t>9/20/2019</a:t>
             </a:fld>
             <a:endParaRPr lang="en-US" dirty="0"/>
           </a:p>
@@ -2101,7 +2103,7 @@
             <a:fld id="{B61BEF0D-F0BB-DE4B-95CE-6DB70DBA9567}" type="datetimeFigureOut">
               <a:rPr lang="en-US" dirty="0"/>
               <a:pPr/>
-              <a:t>9/19/2019</a:t>
+              <a:t>9/20/2019</a:t>
             </a:fld>
             <a:endParaRPr lang="en-US" dirty="0"/>
           </a:p>
@@ -2355,7 +2357,7 @@
             <a:fld id="{B61BEF0D-F0BB-DE4B-95CE-6DB70DBA9567}" type="datetimeFigureOut">
               <a:rPr lang="en-US" dirty="0"/>
               <a:pPr/>
-              <a:t>9/19/2019</a:t>
+              <a:t>9/20/2019</a:t>
             </a:fld>
             <a:endParaRPr lang="en-US" dirty="0"/>
           </a:p>
@@ -2614,7 +2616,7 @@
             <a:fld id="{B61BEF0D-F0BB-DE4B-95CE-6DB70DBA9567}" type="datetimeFigureOut">
               <a:rPr lang="en-US" dirty="0"/>
               <a:pPr/>
-              <a:t>9/19/2019</a:t>
+              <a:t>9/20/2019</a:t>
             </a:fld>
             <a:endParaRPr lang="en-US" dirty="0"/>
           </a:p>
@@ -2873,7 +2875,7 @@
             <a:fld id="{B61BEF0D-F0BB-DE4B-95CE-6DB70DBA9567}" type="datetimeFigureOut">
               <a:rPr lang="en-US" dirty="0"/>
               <a:pPr/>
-              <a:t>9/19/2019</a:t>
+              <a:t>9/20/2019</a:t>
             </a:fld>
             <a:endParaRPr lang="en-US" dirty="0"/>
           </a:p>
@@ -3199,7 +3201,7 @@
             <a:fld id="{B61BEF0D-F0BB-DE4B-95CE-6DB70DBA9567}" type="datetimeFigureOut">
               <a:rPr lang="en-US" dirty="0"/>
               <a:pPr/>
-              <a:t>9/19/2019</a:t>
+              <a:t>9/20/2019</a:t>
             </a:fld>
             <a:endParaRPr lang="en-US" dirty="0"/>
           </a:p>
@@ -3519,7 +3521,7 @@
             <a:fld id="{B61BEF0D-F0BB-DE4B-95CE-6DB70DBA9567}" type="datetimeFigureOut">
               <a:rPr lang="en-US" dirty="0"/>
               <a:pPr/>
-              <a:t>9/19/2019</a:t>
+              <a:t>9/20/2019</a:t>
             </a:fld>
             <a:endParaRPr lang="en-US" dirty="0"/>
           </a:p>
@@ -3973,7 +3975,7 @@
             <a:fld id="{B61BEF0D-F0BB-DE4B-95CE-6DB70DBA9567}" type="datetimeFigureOut">
               <a:rPr lang="en-US" dirty="0"/>
               <a:pPr/>
-              <a:t>9/19/2019</a:t>
+              <a:t>9/20/2019</a:t>
             </a:fld>
             <a:endParaRPr lang="en-US" dirty="0"/>
           </a:p>
@@ -4175,7 +4177,7 @@
             <a:fld id="{B61BEF0D-F0BB-DE4B-95CE-6DB70DBA9567}" type="datetimeFigureOut">
               <a:rPr lang="en-US" dirty="0"/>
               <a:pPr/>
-              <a:t>9/19/2019</a:t>
+              <a:t>9/20/2019</a:t>
             </a:fld>
             <a:endParaRPr lang="en-US" dirty="0"/>
           </a:p>
@@ -4349,7 +4351,7 @@
             <a:fld id="{B61BEF0D-F0BB-DE4B-95CE-6DB70DBA9567}" type="datetimeFigureOut">
               <a:rPr lang="en-US" dirty="0"/>
               <a:pPr/>
-              <a:t>9/19/2019</a:t>
+              <a:t>9/20/2019</a:t>
             </a:fld>
             <a:endParaRPr lang="en-US" dirty="0"/>
           </a:p>
@@ -4679,7 +4681,7 @@
             <a:fld id="{B61BEF0D-F0BB-DE4B-95CE-6DB70DBA9567}" type="datetimeFigureOut">
               <a:rPr lang="en-US" dirty="0"/>
               <a:pPr/>
-              <a:t>9/19/2019</a:t>
+              <a:t>9/20/2019</a:t>
             </a:fld>
             <a:endParaRPr lang="en-US" dirty="0"/>
           </a:p>
@@ -5021,7 +5023,7 @@
             <a:fld id="{B61BEF0D-F0BB-DE4B-95CE-6DB70DBA9567}" type="datetimeFigureOut">
               <a:rPr lang="en-US" dirty="0"/>
               <a:pPr/>
-              <a:t>9/19/2019</a:t>
+              <a:t>9/20/2019</a:t>
             </a:fld>
             <a:endParaRPr lang="en-US" dirty="0"/>
           </a:p>
@@ -7135,7 +7137,7 @@
             <a:fld id="{B61BEF0D-F0BB-DE4B-95CE-6DB70DBA9567}" type="datetimeFigureOut">
               <a:rPr lang="en-US" dirty="0"/>
               <a:pPr/>
-              <a:t>9/19/2019</a:t>
+              <a:t>9/20/2019</a:t>
             </a:fld>
             <a:endParaRPr lang="en-US" dirty="0"/>
           </a:p>
@@ -7661,7 +7663,7 @@
         </p:nvSpPr>
         <p:spPr>
           <a:xfrm>
-            <a:off x="2246812" y="767443"/>
+            <a:off x="1141912" y="-134257"/>
             <a:ext cx="10480766" cy="5120282"/>
           </a:xfrm>
         </p:spPr>
@@ -7671,12 +7673,27 @@
           </a:bodyPr>
           <a:lstStyle/>
           <a:p>
+            <a:pPr algn="ctr"/>
             <a:r>
               <a:rPr lang="en-US" b="1" dirty="0" smtClean="0">
                 <a:latin typeface="Arial" panose="020B0604020202020204" pitchFamily="34" charset="0"/>
                 <a:cs typeface="Arial" panose="020B0604020202020204" pitchFamily="34" charset="0"/>
               </a:rPr>
-              <a:t>Group No : 2</a:t>
+              <a:t>Section </a:t>
+            </a:r>
+            <a:r>
+              <a:rPr lang="en-US" b="1" dirty="0">
+                <a:latin typeface="Arial" panose="020B0604020202020204" pitchFamily="34" charset="0"/>
+                <a:cs typeface="Arial" panose="020B0604020202020204" pitchFamily="34" charset="0"/>
+              </a:rPr>
+              <a:t>: 1 </a:t>
+            </a:r>
+            <a:r>
+              <a:rPr lang="en-US" b="1" dirty="0" smtClean="0">
+                <a:latin typeface="Arial" panose="020B0604020202020204" pitchFamily="34" charset="0"/>
+                <a:cs typeface="Arial" panose="020B0604020202020204" pitchFamily="34" charset="0"/>
+              </a:rPr>
+              <a:t/>
             </a:r>
             <a:br>
               <a:rPr lang="en-US" b="1" dirty="0" smtClean="0">
@@ -7689,7 +7706,14 @@
                 <a:latin typeface="Arial" panose="020B0604020202020204" pitchFamily="34" charset="0"/>
                 <a:cs typeface="Arial" panose="020B0604020202020204" pitchFamily="34" charset="0"/>
               </a:rPr>
-              <a:t>Section : 1</a:t>
+              <a:t>Group </a:t>
+            </a:r>
+            <a:r>
+              <a:rPr lang="en-US" b="1" dirty="0" smtClean="0">
+                <a:latin typeface="Arial" panose="020B0604020202020204" pitchFamily="34" charset="0"/>
+                <a:cs typeface="Arial" panose="020B0604020202020204" pitchFamily="34" charset="0"/>
+              </a:rPr>
+              <a:t>No : 2</a:t>
             </a:r>
             <a:br>
               <a:rPr lang="en-US" b="1" dirty="0" smtClean="0">
@@ -7698,11 +7722,18 @@
               </a:rPr>
             </a:br>
             <a:r>
+              <a:rPr lang="en-US" b="1" dirty="0" smtClean="0">
+                <a:latin typeface="Arial" panose="020B0604020202020204" pitchFamily="34" charset="0"/>
+                <a:cs typeface="Arial" panose="020B0604020202020204" pitchFamily="34" charset="0"/>
+              </a:rPr>
+              <a:t>CSS-FLEXBOX and GRID</a:t>
+            </a:r>
+            <a:r>
               <a:rPr lang="en-US" b="1" dirty="0">
                 <a:latin typeface="Arial" panose="020B0604020202020204" pitchFamily="34" charset="0"/>
                 <a:cs typeface="Arial" panose="020B0604020202020204" pitchFamily="34" charset="0"/>
               </a:rPr>
-              <a:t>CSS-FLEXBOX</a:t>
+              <a:t/>
             </a:r>
             <a:br>
               <a:rPr lang="en-US" b="1" dirty="0">
@@ -7868,42 +7899,6 @@
       </p:grpSpPr>
       <p:sp>
         <p:nvSpPr>
-          <p:cNvPr id="2" name="Title 1"/>
-          <p:cNvSpPr>
-            <a:spLocks noGrp="1"/>
-          </p:cNvSpPr>
-          <p:nvPr>
-            <p:ph type="title"/>
-          </p:nvPr>
-        </p:nvSpPr>
-        <p:spPr>
-          <a:xfrm>
-            <a:off x="1856014" y="482595"/>
-            <a:ext cx="9864498" cy="769261"/>
-          </a:xfrm>
-        </p:spPr>
-        <p:txBody>
-          <a:bodyPr>
-            <a:normAutofit/>
-          </a:bodyPr>
-          <a:lstStyle/>
-          <a:p>
-            <a:r>
-              <a:rPr lang="en-US" b="1" dirty="0" smtClean="0">
-                <a:latin typeface="Arial" panose="020B0604020202020204" pitchFamily="34" charset="0"/>
-                <a:cs typeface="Arial" panose="020B0604020202020204" pitchFamily="34" charset="0"/>
-              </a:rPr>
-              <a:t>What is CSS Grid?</a:t>
-            </a:r>
-            <a:endParaRPr lang="en-US" b="1" dirty="0">
-              <a:latin typeface="Arial" panose="020B0604020202020204" pitchFamily="34" charset="0"/>
-              <a:cs typeface="Arial" panose="020B0604020202020204" pitchFamily="34" charset="0"/>
-            </a:endParaRPr>
-          </a:p>
-        </p:txBody>
-      </p:sp>
-      <p:sp>
-        <p:nvSpPr>
           <p:cNvPr id="3" name="Content Placeholder 2"/>
           <p:cNvSpPr>
             <a:spLocks noGrp="1"/>
@@ -7914,13 +7909,13 @@
         </p:nvSpPr>
         <p:spPr>
           <a:xfrm>
-            <a:off x="2113004" y="1251856"/>
-            <a:ext cx="9456695" cy="5148944"/>
+            <a:off x="1556952" y="123568"/>
+            <a:ext cx="10635048" cy="6734431"/>
           </a:xfrm>
         </p:spPr>
         <p:txBody>
           <a:bodyPr>
-            <a:normAutofit lnSpcReduction="10000"/>
+            <a:normAutofit fontScale="92500" lnSpcReduction="10000"/>
           </a:bodyPr>
           <a:lstStyle/>
           <a:p>
@@ -7928,18 +7923,18 @@
               <a:buNone/>
             </a:pPr>
             <a:r>
-              <a:rPr lang="en-US" sz="2600" dirty="0">
-                <a:latin typeface="Arial" panose="020B0604020202020204" pitchFamily="34" charset="0"/>
-                <a:cs typeface="Arial" panose="020B0604020202020204" pitchFamily="34" charset="0"/>
-              </a:rPr>
-              <a:t>The CSS Grid Layout Module offers a grid-based layout system, with rows and </a:t>
-            </a:r>
-            <a:r>
-              <a:rPr lang="en-US" sz="2600" dirty="0" smtClean="0">
-                <a:latin typeface="Arial" panose="020B0604020202020204" pitchFamily="34" charset="0"/>
-                <a:cs typeface="Arial" panose="020B0604020202020204" pitchFamily="34" charset="0"/>
-              </a:rPr>
-              <a:t>columns.</a:t>
+              <a:rPr lang="en-US" sz="3600" b="1" dirty="0" smtClean="0">
+                <a:latin typeface="Arial" panose="020B0604020202020204" pitchFamily="34" charset="0"/>
+                <a:cs typeface="Arial" panose="020B0604020202020204" pitchFamily="34" charset="0"/>
+              </a:rPr>
+              <a:t>A</a:t>
+            </a:r>
+            <a:r>
+              <a:rPr lang="en-US" sz="3600" b="1" dirty="0" smtClean="0">
+                <a:latin typeface="Arial" panose="020B0604020202020204" pitchFamily="34" charset="0"/>
+                <a:cs typeface="Arial" panose="020B0604020202020204" pitchFamily="34" charset="0"/>
+              </a:rPr>
+              <a:t>lign-items</a:t>
             </a:r>
           </a:p>
           <a:p>
@@ -7947,120 +7942,190 @@
               <a:buNone/>
             </a:pPr>
             <a:r>
-              <a:rPr lang="en-US" sz="2600" dirty="0" smtClean="0">
-                <a:latin typeface="Arial" panose="020B0604020202020204" pitchFamily="34" charset="0"/>
-                <a:cs typeface="Arial" panose="020B0604020202020204" pitchFamily="34" charset="0"/>
-              </a:rPr>
-              <a:t>A </a:t>
-            </a:r>
-            <a:r>
-              <a:rPr lang="en-US" sz="2600" dirty="0">
-                <a:latin typeface="Arial" panose="020B0604020202020204" pitchFamily="34" charset="0"/>
-                <a:cs typeface="Arial" panose="020B0604020202020204" pitchFamily="34" charset="0"/>
-              </a:rPr>
-              <a:t>grid layout consists of a parent element, with one or more child elements</a:t>
-            </a:r>
-            <a:r>
-              <a:rPr lang="en-US" sz="2600" dirty="0" smtClean="0">
-                <a:latin typeface="Arial" panose="020B0604020202020204" pitchFamily="34" charset="0"/>
-                <a:cs typeface="Arial" panose="020B0604020202020204" pitchFamily="34" charset="0"/>
-              </a:rPr>
-              <a:t>.</a:t>
-            </a:r>
-          </a:p>
-          <a:p>
-            <a:pPr marL="0" indent="0">
-              <a:buNone/>
-            </a:pPr>
-            <a:r>
-              <a:rPr lang="en-US" sz="2600" b="1" dirty="0" smtClean="0">
-                <a:latin typeface="Arial" panose="020B0604020202020204" pitchFamily="34" charset="0"/>
-                <a:cs typeface="Arial" panose="020B0604020202020204" pitchFamily="34" charset="0"/>
-              </a:rPr>
-              <a:t>Grid Templates:</a:t>
-            </a:r>
-          </a:p>
-          <a:p>
-            <a:pPr algn="just"/>
-            <a:r>
-              <a:rPr lang="en-US" sz="2600" dirty="0">
-                <a:latin typeface="Arial" panose="020B0604020202020204" pitchFamily="34" charset="0"/>
-                <a:cs typeface="Arial" panose="020B0604020202020204" pitchFamily="34" charset="0"/>
-              </a:rPr>
-              <a:t>Grid Columns</a:t>
-            </a:r>
-          </a:p>
-          <a:p>
-            <a:pPr algn="just"/>
-            <a:r>
-              <a:rPr lang="en-US" sz="2600" dirty="0">
-                <a:latin typeface="Arial" panose="020B0604020202020204" pitchFamily="34" charset="0"/>
-                <a:cs typeface="Arial" panose="020B0604020202020204" pitchFamily="34" charset="0"/>
-              </a:rPr>
-              <a:t>Grid rows</a:t>
-            </a:r>
-          </a:p>
-          <a:p>
-            <a:pPr algn="just"/>
-            <a:r>
-              <a:rPr lang="en-US" sz="2600" dirty="0">
-                <a:latin typeface="Arial" panose="020B0604020202020204" pitchFamily="34" charset="0"/>
-                <a:cs typeface="Arial" panose="020B0604020202020204" pitchFamily="34" charset="0"/>
-              </a:rPr>
-              <a:t>Grid Gap</a:t>
-            </a:r>
-          </a:p>
-          <a:p>
-            <a:pPr algn="just"/>
-            <a:r>
-              <a:rPr lang="en-US" sz="2600" dirty="0">
-                <a:latin typeface="Arial" panose="020B0604020202020204" pitchFamily="34" charset="0"/>
-                <a:cs typeface="Arial" panose="020B0604020202020204" pitchFamily="34" charset="0"/>
-              </a:rPr>
-              <a:t>Grid Lines</a:t>
-            </a:r>
-          </a:p>
-          <a:p>
-            <a:pPr algn="just"/>
-            <a:r>
-              <a:rPr lang="en-US" sz="2600" dirty="0">
-                <a:latin typeface="Arial" panose="020B0604020202020204" pitchFamily="34" charset="0"/>
-                <a:cs typeface="Arial" panose="020B0604020202020204" pitchFamily="34" charset="0"/>
-              </a:rPr>
-              <a:t>Justify-content</a:t>
-            </a:r>
-          </a:p>
-          <a:p>
-            <a:pPr algn="just"/>
-            <a:r>
-              <a:rPr lang="en-US" sz="2600" dirty="0">
-                <a:latin typeface="Arial" panose="020B0604020202020204" pitchFamily="34" charset="0"/>
-                <a:cs typeface="Arial" panose="020B0604020202020204" pitchFamily="34" charset="0"/>
-              </a:rPr>
-              <a:t>Align-content</a:t>
-            </a:r>
-          </a:p>
-          <a:p>
-            <a:pPr marL="0" indent="0">
-              <a:buNone/>
-            </a:pPr>
-            <a:endParaRPr lang="en-US" sz="2400" dirty="0" smtClean="0">
+              <a:rPr lang="en-US" sz="2000" b="1" dirty="0" smtClean="0">
+                <a:latin typeface="Arial" panose="020B0604020202020204" pitchFamily="34" charset="0"/>
+                <a:cs typeface="Arial" panose="020B0604020202020204" pitchFamily="34" charset="0"/>
+              </a:rPr>
+              <a:t>Center											Flex-end</a:t>
+            </a:r>
+            <a:endParaRPr lang="en-US" sz="2000" b="1" dirty="0">
               <a:latin typeface="Arial" panose="020B0604020202020204" pitchFamily="34" charset="0"/>
               <a:cs typeface="Arial" panose="020B0604020202020204" pitchFamily="34" charset="0"/>
             </a:endParaRPr>
           </a:p>
-        </p:txBody>
-      </p:sp>
-      <p:sp>
-        <p:nvSpPr>
-          <p:cNvPr id="7" name="TextBox 6"/>
+          <a:p>
+            <a:pPr marL="0" indent="0">
+              <a:buNone/>
+            </a:pPr>
+            <a:endParaRPr lang="en-US" sz="3600" b="1" dirty="0" smtClean="0">
+              <a:latin typeface="Arial" panose="020B0604020202020204" pitchFamily="34" charset="0"/>
+              <a:cs typeface="Arial" panose="020B0604020202020204" pitchFamily="34" charset="0"/>
+            </a:endParaRPr>
+          </a:p>
+          <a:p>
+            <a:pPr marL="0" indent="0">
+              <a:buNone/>
+            </a:pPr>
+            <a:endParaRPr lang="en-US" sz="3600" b="1" dirty="0">
+              <a:latin typeface="Arial" panose="020B0604020202020204" pitchFamily="34" charset="0"/>
+              <a:cs typeface="Arial" panose="020B0604020202020204" pitchFamily="34" charset="0"/>
+            </a:endParaRPr>
+          </a:p>
+          <a:p>
+            <a:pPr marL="0" indent="0">
+              <a:buNone/>
+            </a:pPr>
+            <a:endParaRPr lang="en-US" sz="3600" b="1" dirty="0" smtClean="0">
+              <a:latin typeface="Arial" panose="020B0604020202020204" pitchFamily="34" charset="0"/>
+              <a:cs typeface="Arial" panose="020B0604020202020204" pitchFamily="34" charset="0"/>
+            </a:endParaRPr>
+          </a:p>
+          <a:p>
+            <a:pPr marL="0" indent="0">
+              <a:buNone/>
+            </a:pPr>
+            <a:endParaRPr lang="en-US" sz="2400" b="1" dirty="0" smtClean="0">
+              <a:latin typeface="Arial" panose="020B0604020202020204" pitchFamily="34" charset="0"/>
+              <a:cs typeface="Arial" panose="020B0604020202020204" pitchFamily="34" charset="0"/>
+            </a:endParaRPr>
+          </a:p>
+          <a:p>
+            <a:pPr marL="0" indent="0">
+              <a:buNone/>
+            </a:pPr>
+            <a:r>
+              <a:rPr lang="en-US" sz="2400" b="1" dirty="0" smtClean="0">
+                <a:latin typeface="Arial" panose="020B0604020202020204" pitchFamily="34" charset="0"/>
+                <a:cs typeface="Arial" panose="020B0604020202020204" pitchFamily="34" charset="0"/>
+              </a:rPr>
+              <a:t>								Flex-start</a:t>
+            </a:r>
+          </a:p>
+          <a:p>
+            <a:pPr marL="0" indent="0">
+              <a:buNone/>
+            </a:pPr>
+            <a:endParaRPr lang="en-US" sz="3600" b="1" dirty="0" smtClean="0">
+              <a:latin typeface="Arial" panose="020B0604020202020204" pitchFamily="34" charset="0"/>
+              <a:cs typeface="Arial" panose="020B0604020202020204" pitchFamily="34" charset="0"/>
+            </a:endParaRPr>
+          </a:p>
+          <a:p>
+            <a:pPr marL="0" indent="0">
+              <a:buNone/>
+            </a:pPr>
+            <a:endParaRPr lang="en-US" sz="3600" b="1" dirty="0">
+              <a:latin typeface="Arial" panose="020B0604020202020204" pitchFamily="34" charset="0"/>
+              <a:cs typeface="Arial" panose="020B0604020202020204" pitchFamily="34" charset="0"/>
+            </a:endParaRPr>
+          </a:p>
+          <a:p>
+            <a:pPr marL="0" indent="0">
+              <a:buNone/>
+            </a:pPr>
+            <a:endParaRPr lang="en-US" sz="3600" b="1" dirty="0" smtClean="0">
+              <a:latin typeface="Arial" panose="020B0604020202020204" pitchFamily="34" charset="0"/>
+              <a:cs typeface="Arial" panose="020B0604020202020204" pitchFamily="34" charset="0"/>
+            </a:endParaRPr>
+          </a:p>
+          <a:p>
+            <a:pPr marL="0" indent="0">
+              <a:buNone/>
+            </a:pPr>
+            <a:endParaRPr lang="en-US" sz="2400" b="1" dirty="0" smtClean="0">
+              <a:latin typeface="Arial" panose="020B0604020202020204" pitchFamily="34" charset="0"/>
+              <a:cs typeface="Arial" panose="020B0604020202020204" pitchFamily="34" charset="0"/>
+            </a:endParaRPr>
+          </a:p>
+          <a:p>
+            <a:pPr marL="0" indent="0">
+              <a:buNone/>
+            </a:pPr>
+            <a:r>
+              <a:rPr lang="en-US" sz="2200" b="1" dirty="0" smtClean="0">
+                <a:latin typeface="Arial" panose="020B0604020202020204" pitchFamily="34" charset="0"/>
+                <a:cs typeface="Arial" panose="020B0604020202020204" pitchFamily="34" charset="0"/>
+              </a:rPr>
+              <a:t>Note</a:t>
+            </a:r>
+            <a:r>
+              <a:rPr lang="en-US" sz="2200" b="1" dirty="0">
+                <a:latin typeface="Arial" panose="020B0604020202020204" pitchFamily="34" charset="0"/>
+                <a:cs typeface="Arial" panose="020B0604020202020204" pitchFamily="34" charset="0"/>
+              </a:rPr>
+              <a:t>: </a:t>
+            </a:r>
+            <a:r>
+              <a:rPr lang="en-US" sz="2200" dirty="0">
+                <a:latin typeface="Arial" panose="020B0604020202020204" pitchFamily="34" charset="0"/>
+                <a:cs typeface="Arial" panose="020B0604020202020204" pitchFamily="34" charset="0"/>
+              </a:rPr>
+              <a:t>The difference between the </a:t>
+            </a:r>
+            <a:r>
+              <a:rPr lang="en-US" sz="2200" dirty="0" smtClean="0">
+                <a:latin typeface="Arial" panose="020B0604020202020204" pitchFamily="34" charset="0"/>
+                <a:cs typeface="Arial" panose="020B0604020202020204" pitchFamily="34" charset="0"/>
+              </a:rPr>
+              <a:t>justify-content </a:t>
+            </a:r>
+            <a:r>
+              <a:rPr lang="en-US" sz="2200" dirty="0">
+                <a:latin typeface="Arial" panose="020B0604020202020204" pitchFamily="34" charset="0"/>
+                <a:cs typeface="Arial" panose="020B0604020202020204" pitchFamily="34" charset="0"/>
+              </a:rPr>
+              <a:t>and align-items is that justify-content will make adjustments </a:t>
+            </a:r>
+            <a:r>
+              <a:rPr lang="en-US" sz="2200" dirty="0" smtClean="0">
+                <a:latin typeface="Arial" panose="020B0604020202020204" pitchFamily="34" charset="0"/>
+                <a:cs typeface="Arial" panose="020B0604020202020204" pitchFamily="34" charset="0"/>
+              </a:rPr>
+              <a:t>column </a:t>
+            </a:r>
+            <a:r>
+              <a:rPr lang="en-US" sz="2200" dirty="0">
+                <a:latin typeface="Arial" panose="020B0604020202020204" pitchFamily="34" charset="0"/>
+                <a:cs typeface="Arial" panose="020B0604020202020204" pitchFamily="34" charset="0"/>
+              </a:rPr>
+              <a:t>wise and align-items makes </a:t>
+            </a:r>
+            <a:r>
+              <a:rPr lang="en-US" sz="2200" dirty="0" smtClean="0">
+                <a:latin typeface="Arial" panose="020B0604020202020204" pitchFamily="34" charset="0"/>
+                <a:cs typeface="Arial" panose="020B0604020202020204" pitchFamily="34" charset="0"/>
+              </a:rPr>
+              <a:t>row </a:t>
+            </a:r>
+            <a:r>
+              <a:rPr lang="en-US" sz="2200" dirty="0">
+                <a:latin typeface="Arial" panose="020B0604020202020204" pitchFamily="34" charset="0"/>
+                <a:cs typeface="Arial" panose="020B0604020202020204" pitchFamily="34" charset="0"/>
+              </a:rPr>
+              <a:t>wise.</a:t>
+            </a:r>
+          </a:p>
+          <a:p>
+            <a:pPr marL="0" indent="0">
+              <a:buNone/>
+            </a:pPr>
+            <a:endParaRPr lang="en-US" sz="2400" dirty="0">
+              <a:latin typeface="Arial" panose="020B0604020202020204" pitchFamily="34" charset="0"/>
+              <a:cs typeface="Arial" panose="020B0604020202020204" pitchFamily="34" charset="0"/>
+            </a:endParaRPr>
+          </a:p>
+        </p:txBody>
+      </p:sp>
+      <p:sp>
+        <p:nvSpPr>
+          <p:cNvPr id="2" name="TextBox 1"/>
           <p:cNvSpPr txBox="1"/>
           <p:nvPr/>
         </p:nvSpPr>
         <p:spPr>
           <a:xfrm>
-            <a:off x="8915764" y="6396335"/>
-            <a:ext cx="3396343" cy="461665"/>
+            <a:off x="8267700" y="6396335"/>
+            <a:ext cx="3924300" cy="461665"/>
           </a:xfrm>
           <a:prstGeom prst="rect">
             <a:avLst/>
@@ -8078,21 +8143,7 @@
                 <a:latin typeface="Arial" panose="020B0604020202020204" pitchFamily="34" charset="0"/>
                 <a:cs typeface="Arial" panose="020B0604020202020204" pitchFamily="34" charset="0"/>
               </a:rPr>
-              <a:t>Akhitha</a:t>
-            </a:r>
-            <a:r>
-              <a:rPr lang="en-US" dirty="0" smtClean="0">
-                <a:latin typeface="Arial" panose="020B0604020202020204" pitchFamily="34" charset="0"/>
-                <a:cs typeface="Arial" panose="020B0604020202020204" pitchFamily="34" charset="0"/>
-              </a:rPr>
-              <a:t> </a:t>
-            </a:r>
-            <a:r>
-              <a:rPr lang="en-US" sz="2400" dirty="0" smtClean="0">
-                <a:latin typeface="Arial" panose="020B0604020202020204" pitchFamily="34" charset="0"/>
-                <a:cs typeface="Arial" panose="020B0604020202020204" pitchFamily="34" charset="0"/>
-              </a:rPr>
-              <a:t>Tumula</a:t>
+              <a:t>Mahender Reddy Surkanti</a:t>
             </a:r>
             <a:endParaRPr lang="en-US" sz="2400" dirty="0">
               <a:latin typeface="Arial" panose="020B0604020202020204" pitchFamily="34" charset="0"/>
@@ -8101,10 +8152,100 @@
           </a:p>
         </p:txBody>
       </p:sp>
+      <p:pic>
+        <p:nvPicPr>
+          <p:cNvPr id="4" name="Picture 3"/>
+          <p:cNvPicPr>
+            <a:picLocks noChangeAspect="1"/>
+          </p:cNvPicPr>
+          <p:nvPr/>
+        </p:nvPicPr>
+        <p:blipFill>
+          <a:blip r:embed="rId2">
+            <a:extLst>
+              <a:ext uri="{28A0092B-C50C-407E-A947-70E740481C1C}">
+                <a14:useLocalDpi xmlns:a14="http://schemas.microsoft.com/office/drawing/2010/main" val="0"/>
+              </a:ext>
+            </a:extLst>
+          </a:blip>
+          <a:stretch>
+            <a:fillRect/>
+          </a:stretch>
+        </p:blipFill>
+        <p:spPr>
+          <a:xfrm>
+            <a:off x="1124464" y="1112108"/>
+            <a:ext cx="4856205" cy="2088291"/>
+          </a:xfrm>
+          <a:prstGeom prst="rect">
+            <a:avLst/>
+          </a:prstGeom>
+        </p:spPr>
+      </p:pic>
+      <p:pic>
+        <p:nvPicPr>
+          <p:cNvPr id="5" name="Picture 4"/>
+          <p:cNvPicPr>
+            <a:picLocks noChangeAspect="1"/>
+          </p:cNvPicPr>
+          <p:nvPr/>
+        </p:nvPicPr>
+        <p:blipFill>
+          <a:blip r:embed="rId3">
+            <a:extLst>
+              <a:ext uri="{28A0092B-C50C-407E-A947-70E740481C1C}">
+                <a14:useLocalDpi xmlns:a14="http://schemas.microsoft.com/office/drawing/2010/main" val="0"/>
+              </a:ext>
+            </a:extLst>
+          </a:blip>
+          <a:stretch>
+            <a:fillRect/>
+          </a:stretch>
+        </p:blipFill>
+        <p:spPr>
+          <a:xfrm>
+            <a:off x="6413157" y="1112108"/>
+            <a:ext cx="5263978" cy="2088291"/>
+          </a:xfrm>
+          <a:prstGeom prst="rect">
+            <a:avLst/>
+          </a:prstGeom>
+        </p:spPr>
+      </p:pic>
+      <p:pic>
+        <p:nvPicPr>
+          <p:cNvPr id="6" name="Picture 5"/>
+          <p:cNvPicPr>
+            <a:picLocks noChangeAspect="1"/>
+          </p:cNvPicPr>
+          <p:nvPr/>
+        </p:nvPicPr>
+        <p:blipFill>
+          <a:blip r:embed="rId4">
+            <a:extLst>
+              <a:ext uri="{28A0092B-C50C-407E-A947-70E740481C1C}">
+                <a14:useLocalDpi xmlns:a14="http://schemas.microsoft.com/office/drawing/2010/main" val="0"/>
+              </a:ext>
+            </a:extLst>
+          </a:blip>
+          <a:stretch>
+            <a:fillRect/>
+          </a:stretch>
+        </p:blipFill>
+        <p:spPr>
+          <a:xfrm>
+            <a:off x="3015046" y="3698616"/>
+            <a:ext cx="5931245" cy="2199502"/>
+          </a:xfrm>
+          <a:prstGeom prst="rect">
+            <a:avLst/>
+          </a:prstGeom>
+        </p:spPr>
+      </p:pic>
     </p:spTree>
     <p:extLst>
       <p:ext uri="{BB962C8B-B14F-4D97-AF65-F5344CB8AC3E}">
-        <p14:creationId xmlns:p14="http://schemas.microsoft.com/office/powerpoint/2010/main" val="1828522634"/>
+        <p14:creationId xmlns:p14="http://schemas.microsoft.com/office/powerpoint/2010/main" val="2072203443"/>
       </p:ext>
     </p:extLst>
   </p:cSld>
@@ -8133,6 +8274,507 @@
       </p:grpSpPr>
       <p:sp>
         <p:nvSpPr>
+          <p:cNvPr id="3" name="Content Placeholder 2"/>
+          <p:cNvSpPr>
+            <a:spLocks noGrp="1"/>
+          </p:cNvSpPr>
+          <p:nvPr>
+            <p:ph idx="1"/>
+          </p:nvPr>
+        </p:nvSpPr>
+        <p:spPr>
+          <a:xfrm>
+            <a:off x="1714500" y="774700"/>
+            <a:ext cx="9588500" cy="5753099"/>
+          </a:xfrm>
+        </p:spPr>
+        <p:txBody>
+          <a:bodyPr>
+            <a:normAutofit/>
+          </a:bodyPr>
+          <a:lstStyle/>
+          <a:p>
+            <a:pPr marL="0" indent="0">
+              <a:buNone/>
+            </a:pPr>
+            <a:r>
+              <a:rPr lang="en-US" sz="2400" b="1" dirty="0" smtClean="0">
+                <a:latin typeface="Arial" panose="020B0604020202020204" pitchFamily="34" charset="0"/>
+                <a:cs typeface="Arial" panose="020B0604020202020204" pitchFamily="34" charset="0"/>
+              </a:rPr>
+              <a:t>Few other properties are </a:t>
+            </a:r>
+          </a:p>
+          <a:p>
+            <a:pPr>
+              <a:buFont typeface="Arial" panose="020B0604020202020204" pitchFamily="34" charset="0"/>
+              <a:buChar char="•"/>
+            </a:pPr>
+            <a:r>
+              <a:rPr lang="en-US" sz="2400" b="1" dirty="0" smtClean="0">
+                <a:latin typeface="Arial" panose="020B0604020202020204" pitchFamily="34" charset="0"/>
+                <a:cs typeface="Arial" panose="020B0604020202020204" pitchFamily="34" charset="0"/>
+              </a:rPr>
+              <a:t>Flex-grow</a:t>
+            </a:r>
+          </a:p>
+          <a:p>
+            <a:pPr marL="0" indent="0">
+              <a:buNone/>
+            </a:pPr>
+            <a:r>
+              <a:rPr lang="en-US" sz="2400" dirty="0">
+                <a:latin typeface="Arial" panose="020B0604020202020204" pitchFamily="34" charset="0"/>
+                <a:cs typeface="Arial" panose="020B0604020202020204" pitchFamily="34" charset="0"/>
+              </a:rPr>
+              <a:t>	</a:t>
+            </a:r>
+            <a:r>
+              <a:rPr lang="en-US" sz="2200" dirty="0" smtClean="0">
+                <a:latin typeface="Arial" panose="020B0604020202020204" pitchFamily="34" charset="0"/>
+                <a:cs typeface="Arial" panose="020B0604020202020204" pitchFamily="34" charset="0"/>
+              </a:rPr>
+              <a:t>The </a:t>
+            </a:r>
+            <a:r>
+              <a:rPr lang="en-US" sz="2200" dirty="0">
+                <a:latin typeface="Arial" panose="020B0604020202020204" pitchFamily="34" charset="0"/>
+                <a:cs typeface="Arial" panose="020B0604020202020204" pitchFamily="34" charset="0"/>
+              </a:rPr>
+              <a:t>flex-grow property is a sub-property of the Flexible Box </a:t>
+            </a:r>
+            <a:r>
+              <a:rPr lang="en-US" sz="2200" dirty="0" smtClean="0">
+                <a:latin typeface="Arial" panose="020B0604020202020204" pitchFamily="34" charset="0"/>
+                <a:cs typeface="Arial" panose="020B0604020202020204" pitchFamily="34" charset="0"/>
+              </a:rPr>
+              <a:t>Layout module</a:t>
+            </a:r>
+            <a:r>
+              <a:rPr lang="en-US" sz="2200" dirty="0">
+                <a:latin typeface="Arial" panose="020B0604020202020204" pitchFamily="34" charset="0"/>
+                <a:cs typeface="Arial" panose="020B0604020202020204" pitchFamily="34" charset="0"/>
+              </a:rPr>
+              <a:t>. It defines the ability for a flex item to grow if necessary. </a:t>
+            </a:r>
+          </a:p>
+          <a:p>
+            <a:pPr marL="0" indent="0">
+              <a:buNone/>
+            </a:pPr>
+            <a:r>
+              <a:rPr lang="en-US" sz="2200" dirty="0" smtClean="0">
+                <a:latin typeface="Arial" panose="020B0604020202020204" pitchFamily="34" charset="0"/>
+                <a:cs typeface="Arial" panose="020B0604020202020204" pitchFamily="34" charset="0"/>
+              </a:rPr>
+              <a:t>	It </a:t>
+            </a:r>
+            <a:r>
+              <a:rPr lang="en-US" sz="2200" dirty="0">
+                <a:latin typeface="Arial" panose="020B0604020202020204" pitchFamily="34" charset="0"/>
+                <a:cs typeface="Arial" panose="020B0604020202020204" pitchFamily="34" charset="0"/>
+              </a:rPr>
+              <a:t>dictates what amount of the available space inside the flex container </a:t>
+            </a:r>
+            <a:r>
+              <a:rPr lang="en-US" sz="2200" dirty="0" smtClean="0">
+                <a:latin typeface="Arial" panose="020B0604020202020204" pitchFamily="34" charset="0"/>
+                <a:cs typeface="Arial" panose="020B0604020202020204" pitchFamily="34" charset="0"/>
+              </a:rPr>
+              <a:t>the </a:t>
+            </a:r>
+            <a:r>
+              <a:rPr lang="en-US" sz="2200" dirty="0">
+                <a:latin typeface="Arial" panose="020B0604020202020204" pitchFamily="34" charset="0"/>
+                <a:cs typeface="Arial" panose="020B0604020202020204" pitchFamily="34" charset="0"/>
+              </a:rPr>
+              <a:t>item should take up</a:t>
+            </a:r>
+            <a:endParaRPr lang="en-US" sz="2200" dirty="0" smtClean="0">
+              <a:latin typeface="Arial" panose="020B0604020202020204" pitchFamily="34" charset="0"/>
+              <a:cs typeface="Arial" panose="020B0604020202020204" pitchFamily="34" charset="0"/>
+            </a:endParaRPr>
+          </a:p>
+          <a:p>
+            <a:pPr>
+              <a:buFont typeface="Arial" panose="020B0604020202020204" pitchFamily="34" charset="0"/>
+              <a:buChar char="•"/>
+            </a:pPr>
+            <a:r>
+              <a:rPr lang="en-US" sz="2400" b="1" dirty="0" smtClean="0">
+                <a:latin typeface="Arial" panose="020B0604020202020204" pitchFamily="34" charset="0"/>
+                <a:cs typeface="Arial" panose="020B0604020202020204" pitchFamily="34" charset="0"/>
+              </a:rPr>
+              <a:t>flex-shrink</a:t>
+            </a:r>
+          </a:p>
+          <a:p>
+            <a:pPr marL="0" indent="0">
+              <a:buNone/>
+            </a:pPr>
+            <a:r>
+              <a:rPr lang="en-US" sz="2400" dirty="0">
+                <a:latin typeface="Arial" panose="020B0604020202020204" pitchFamily="34" charset="0"/>
+                <a:cs typeface="Arial" panose="020B0604020202020204" pitchFamily="34" charset="0"/>
+              </a:rPr>
+              <a:t>	It specifies the "flex shrink factor", which determines how much the flex item will shrink relative to the rest of the flex items in the flex container when there isn't enough space on the row</a:t>
+            </a:r>
+            <a:endParaRPr lang="en-US" sz="2400" dirty="0" smtClean="0">
+              <a:latin typeface="Arial" panose="020B0604020202020204" pitchFamily="34" charset="0"/>
+              <a:cs typeface="Arial" panose="020B0604020202020204" pitchFamily="34" charset="0"/>
+            </a:endParaRPr>
+          </a:p>
+          <a:p>
+            <a:pPr>
+              <a:buFont typeface="Arial" panose="020B0604020202020204" pitchFamily="34" charset="0"/>
+              <a:buChar char="•"/>
+            </a:pPr>
+            <a:endParaRPr lang="en-US" sz="2400" dirty="0" smtClean="0">
+              <a:latin typeface="Arial" panose="020B0604020202020204" pitchFamily="34" charset="0"/>
+              <a:cs typeface="Arial" panose="020B0604020202020204" pitchFamily="34" charset="0"/>
+            </a:endParaRPr>
+          </a:p>
+          <a:p>
+            <a:endParaRPr lang="en-US" sz="2400" dirty="0">
+              <a:latin typeface="Arial" panose="020B0604020202020204" pitchFamily="34" charset="0"/>
+              <a:cs typeface="Arial" panose="020B0604020202020204" pitchFamily="34" charset="0"/>
+            </a:endParaRPr>
+          </a:p>
+        </p:txBody>
+      </p:sp>
+      <p:sp>
+        <p:nvSpPr>
+          <p:cNvPr id="2" name="TextBox 1"/>
+          <p:cNvSpPr txBox="1"/>
+          <p:nvPr/>
+        </p:nvSpPr>
+        <p:spPr>
+          <a:xfrm>
+            <a:off x="8267700" y="6396335"/>
+            <a:ext cx="3924300" cy="461665"/>
+          </a:xfrm>
+          <a:prstGeom prst="rect">
+            <a:avLst/>
+          </a:prstGeom>
+          <a:noFill/>
+        </p:spPr>
+        <p:txBody>
+          <a:bodyPr wrap="square" rtlCol="0">
+            <a:spAutoFit/>
+          </a:bodyPr>
+          <a:lstStyle/>
+          <a:p>
+            <a:r>
+              <a:rPr lang="en-US" sz="2400" dirty="0" smtClean="0">
+                <a:latin typeface="Arial" panose="020B0604020202020204" pitchFamily="34" charset="0"/>
+                <a:cs typeface="Arial" panose="020B0604020202020204" pitchFamily="34" charset="0"/>
+              </a:rPr>
+              <a:t>Mahender Reddy Surkanti</a:t>
+            </a:r>
+            <a:endParaRPr lang="en-US" sz="2400" dirty="0">
+              <a:latin typeface="Arial" panose="020B0604020202020204" pitchFamily="34" charset="0"/>
+              <a:cs typeface="Arial" panose="020B0604020202020204" pitchFamily="34" charset="0"/>
+            </a:endParaRPr>
+          </a:p>
+        </p:txBody>
+      </p:sp>
+    </p:spTree>
+    <p:extLst>
+      <p:ext uri="{BB962C8B-B14F-4D97-AF65-F5344CB8AC3E}">
+        <p14:creationId xmlns:p14="http://schemas.microsoft.com/office/powerpoint/2010/main" val="1056590241"/>
+      </p:ext>
+    </p:extLst>
+  </p:cSld>
+  <p:clrMapOvr>
+    <a:masterClrMapping/>
+  </p:clrMapOvr>
+</p:sld>
+</file>
+
+<file path=ppt/slides/slide12.xml><?xml version="1.0" encoding="utf-8"?>
+<p:sld xmlns:a="http://schemas.openxmlformats.org/drawingml/2006/main" xmlns:r="http://schemas.openxmlformats.org/officeDocument/2006/relationships" xmlns:p="http://schemas.openxmlformats.org/presentationml/2006/main">
+  <p:cSld>
+    <p:spTree>
+      <p:nvGrpSpPr>
+        <p:cNvPr id="1" name=""/>
+        <p:cNvGrpSpPr/>
+        <p:nvPr/>
+      </p:nvGrpSpPr>
+      <p:grpSpPr>
+        <a:xfrm>
+          <a:off x="0" y="0"/>
+          <a:ext cx="0" cy="0"/>
+          <a:chOff x="0" y="0"/>
+          <a:chExt cx="0" cy="0"/>
+        </a:xfrm>
+      </p:grpSpPr>
+      <p:sp>
+        <p:nvSpPr>
+          <p:cNvPr id="2" name="Title 1"/>
+          <p:cNvSpPr>
+            <a:spLocks noGrp="1"/>
+          </p:cNvSpPr>
+          <p:nvPr>
+            <p:ph type="title"/>
+          </p:nvPr>
+        </p:nvSpPr>
+        <p:spPr>
+          <a:xfrm>
+            <a:off x="1856014" y="482595"/>
+            <a:ext cx="9864498" cy="769261"/>
+          </a:xfrm>
+        </p:spPr>
+        <p:txBody>
+          <a:bodyPr>
+            <a:normAutofit/>
+          </a:bodyPr>
+          <a:lstStyle/>
+          <a:p>
+            <a:r>
+              <a:rPr lang="en-US" b="1" dirty="0" smtClean="0">
+                <a:latin typeface="Arial" panose="020B0604020202020204" pitchFamily="34" charset="0"/>
+                <a:cs typeface="Arial" panose="020B0604020202020204" pitchFamily="34" charset="0"/>
+              </a:rPr>
+              <a:t>What is CSS Grid?</a:t>
+            </a:r>
+            <a:endParaRPr lang="en-US" b="1" dirty="0">
+              <a:latin typeface="Arial" panose="020B0604020202020204" pitchFamily="34" charset="0"/>
+              <a:cs typeface="Arial" panose="020B0604020202020204" pitchFamily="34" charset="0"/>
+            </a:endParaRPr>
+          </a:p>
+        </p:txBody>
+      </p:sp>
+      <p:sp>
+        <p:nvSpPr>
+          <p:cNvPr id="3" name="Content Placeholder 2"/>
+          <p:cNvSpPr>
+            <a:spLocks noGrp="1"/>
+          </p:cNvSpPr>
+          <p:nvPr>
+            <p:ph idx="1"/>
+          </p:nvPr>
+        </p:nvSpPr>
+        <p:spPr>
+          <a:xfrm>
+            <a:off x="2113004" y="1251856"/>
+            <a:ext cx="9456695" cy="5148944"/>
+          </a:xfrm>
+        </p:spPr>
+        <p:txBody>
+          <a:bodyPr>
+            <a:normAutofit lnSpcReduction="10000"/>
+          </a:bodyPr>
+          <a:lstStyle/>
+          <a:p>
+            <a:pPr marL="0" indent="0">
+              <a:buNone/>
+            </a:pPr>
+            <a:r>
+              <a:rPr lang="en-US" sz="2600" dirty="0">
+                <a:latin typeface="Arial" panose="020B0604020202020204" pitchFamily="34" charset="0"/>
+                <a:cs typeface="Arial" panose="020B0604020202020204" pitchFamily="34" charset="0"/>
+              </a:rPr>
+              <a:t>The CSS Grid Layout Module offers a grid-based layout system, with rows and </a:t>
+            </a:r>
+            <a:r>
+              <a:rPr lang="en-US" sz="2600" dirty="0" smtClean="0">
+                <a:latin typeface="Arial" panose="020B0604020202020204" pitchFamily="34" charset="0"/>
+                <a:cs typeface="Arial" panose="020B0604020202020204" pitchFamily="34" charset="0"/>
+              </a:rPr>
+              <a:t>columns.</a:t>
+            </a:r>
+          </a:p>
+          <a:p>
+            <a:pPr marL="0" indent="0">
+              <a:buNone/>
+            </a:pPr>
+            <a:r>
+              <a:rPr lang="en-US" sz="2600" dirty="0" smtClean="0">
+                <a:latin typeface="Arial" panose="020B0604020202020204" pitchFamily="34" charset="0"/>
+                <a:cs typeface="Arial" panose="020B0604020202020204" pitchFamily="34" charset="0"/>
+              </a:rPr>
+              <a:t>A </a:t>
+            </a:r>
+            <a:r>
+              <a:rPr lang="en-US" sz="2600" dirty="0">
+                <a:latin typeface="Arial" panose="020B0604020202020204" pitchFamily="34" charset="0"/>
+                <a:cs typeface="Arial" panose="020B0604020202020204" pitchFamily="34" charset="0"/>
+              </a:rPr>
+              <a:t>grid layout consists of a parent element, with one or more child elements</a:t>
+            </a:r>
+            <a:r>
+              <a:rPr lang="en-US" sz="2600" dirty="0" smtClean="0">
+                <a:latin typeface="Arial" panose="020B0604020202020204" pitchFamily="34" charset="0"/>
+                <a:cs typeface="Arial" panose="020B0604020202020204" pitchFamily="34" charset="0"/>
+              </a:rPr>
+              <a:t>.</a:t>
+            </a:r>
+          </a:p>
+          <a:p>
+            <a:pPr marL="0" indent="0">
+              <a:buNone/>
+            </a:pPr>
+            <a:r>
+              <a:rPr lang="en-US" sz="2600" b="1" dirty="0" smtClean="0">
+                <a:latin typeface="Arial" panose="020B0604020202020204" pitchFamily="34" charset="0"/>
+                <a:cs typeface="Arial" panose="020B0604020202020204" pitchFamily="34" charset="0"/>
+              </a:rPr>
+              <a:t>Grid Templates:</a:t>
+            </a:r>
+          </a:p>
+          <a:p>
+            <a:pPr algn="just"/>
+            <a:r>
+              <a:rPr lang="en-US" sz="2600" dirty="0">
+                <a:latin typeface="Arial" panose="020B0604020202020204" pitchFamily="34" charset="0"/>
+                <a:cs typeface="Arial" panose="020B0604020202020204" pitchFamily="34" charset="0"/>
+              </a:rPr>
+              <a:t>Grid Columns</a:t>
+            </a:r>
+          </a:p>
+          <a:p>
+            <a:pPr algn="just"/>
+            <a:r>
+              <a:rPr lang="en-US" sz="2600" dirty="0">
+                <a:latin typeface="Arial" panose="020B0604020202020204" pitchFamily="34" charset="0"/>
+                <a:cs typeface="Arial" panose="020B0604020202020204" pitchFamily="34" charset="0"/>
+              </a:rPr>
+              <a:t>Grid rows</a:t>
+            </a:r>
+          </a:p>
+          <a:p>
+            <a:pPr algn="just"/>
+            <a:r>
+              <a:rPr lang="en-US" sz="2600" dirty="0">
+                <a:latin typeface="Arial" panose="020B0604020202020204" pitchFamily="34" charset="0"/>
+                <a:cs typeface="Arial" panose="020B0604020202020204" pitchFamily="34" charset="0"/>
+              </a:rPr>
+              <a:t>Grid Gap</a:t>
+            </a:r>
+          </a:p>
+          <a:p>
+            <a:pPr algn="just"/>
+            <a:r>
+              <a:rPr lang="en-US" sz="2600" dirty="0">
+                <a:latin typeface="Arial" panose="020B0604020202020204" pitchFamily="34" charset="0"/>
+                <a:cs typeface="Arial" panose="020B0604020202020204" pitchFamily="34" charset="0"/>
+              </a:rPr>
+              <a:t>Grid Lines</a:t>
+            </a:r>
+          </a:p>
+          <a:p>
+            <a:pPr algn="just"/>
+            <a:r>
+              <a:rPr lang="en-US" sz="2600" dirty="0">
+                <a:latin typeface="Arial" panose="020B0604020202020204" pitchFamily="34" charset="0"/>
+                <a:cs typeface="Arial" panose="020B0604020202020204" pitchFamily="34" charset="0"/>
+              </a:rPr>
+              <a:t>Justify-content</a:t>
+            </a:r>
+          </a:p>
+          <a:p>
+            <a:pPr algn="just"/>
+            <a:r>
+              <a:rPr lang="en-US" sz="2600" dirty="0">
+                <a:latin typeface="Arial" panose="020B0604020202020204" pitchFamily="34" charset="0"/>
+                <a:cs typeface="Arial" panose="020B0604020202020204" pitchFamily="34" charset="0"/>
+              </a:rPr>
+              <a:t>Align-content</a:t>
+            </a:r>
+          </a:p>
+          <a:p>
+            <a:pPr marL="0" indent="0">
+              <a:buNone/>
+            </a:pPr>
+            <a:endParaRPr lang="en-US" sz="2400" dirty="0" smtClean="0">
+              <a:latin typeface="Arial" panose="020B0604020202020204" pitchFamily="34" charset="0"/>
+              <a:cs typeface="Arial" panose="020B0604020202020204" pitchFamily="34" charset="0"/>
+            </a:endParaRPr>
+          </a:p>
+        </p:txBody>
+      </p:sp>
+      <p:sp>
+        <p:nvSpPr>
+          <p:cNvPr id="7" name="TextBox 6"/>
+          <p:cNvSpPr txBox="1"/>
+          <p:nvPr/>
+        </p:nvSpPr>
+        <p:spPr>
+          <a:xfrm>
+            <a:off x="8915764" y="6396335"/>
+            <a:ext cx="3396343" cy="461665"/>
+          </a:xfrm>
+          <a:prstGeom prst="rect">
+            <a:avLst/>
+          </a:prstGeom>
+          <a:noFill/>
+        </p:spPr>
+        <p:txBody>
+          <a:bodyPr wrap="square" rtlCol="0">
+            <a:spAutoFit/>
+          </a:bodyPr>
+          <a:lstStyle/>
+          <a:p>
+            <a:r>
+              <a:rPr lang="en-US" sz="2400" dirty="0" smtClean="0">
+                <a:latin typeface="Arial" panose="020B0604020202020204" pitchFamily="34" charset="0"/>
+                <a:cs typeface="Arial" panose="020B0604020202020204" pitchFamily="34" charset="0"/>
+              </a:rPr>
+              <a:t>Akhitha</a:t>
+            </a:r>
+            <a:r>
+              <a:rPr lang="en-US" dirty="0" smtClean="0">
+                <a:latin typeface="Arial" panose="020B0604020202020204" pitchFamily="34" charset="0"/>
+                <a:cs typeface="Arial" panose="020B0604020202020204" pitchFamily="34" charset="0"/>
+              </a:rPr>
+              <a:t> </a:t>
+            </a:r>
+            <a:r>
+              <a:rPr lang="en-US" sz="2400" dirty="0" smtClean="0">
+                <a:latin typeface="Arial" panose="020B0604020202020204" pitchFamily="34" charset="0"/>
+                <a:cs typeface="Arial" panose="020B0604020202020204" pitchFamily="34" charset="0"/>
+              </a:rPr>
+              <a:t>Tumula</a:t>
+            </a:r>
+            <a:endParaRPr lang="en-US" sz="2400" dirty="0">
+              <a:latin typeface="Arial" panose="020B0604020202020204" pitchFamily="34" charset="0"/>
+              <a:cs typeface="Arial" panose="020B0604020202020204" pitchFamily="34" charset="0"/>
+            </a:endParaRPr>
+          </a:p>
+        </p:txBody>
+      </p:sp>
+    </p:spTree>
+    <p:extLst>
+      <p:ext uri="{BB962C8B-B14F-4D97-AF65-F5344CB8AC3E}">
+        <p14:creationId xmlns:p14="http://schemas.microsoft.com/office/powerpoint/2010/main" val="1828522634"/>
+      </p:ext>
+    </p:extLst>
+  </p:cSld>
+  <p:clrMapOvr>
+    <a:masterClrMapping/>
+  </p:clrMapOvr>
+</p:sld>
+</file>
+
+<file path=ppt/slides/slide13.xml><?xml version="1.0" encoding="utf-8"?>
+<p:sld xmlns:a="http://schemas.openxmlformats.org/drawingml/2006/main" xmlns:r="http://schemas.openxmlformats.org/officeDocument/2006/relationships" xmlns:p="http://schemas.openxmlformats.org/presentationml/2006/main">
+  <p:cSld>
+    <p:spTree>
+      <p:nvGrpSpPr>
+        <p:cNvPr id="1" name=""/>
+        <p:cNvGrpSpPr/>
+        <p:nvPr/>
+      </p:nvGrpSpPr>
+      <p:grpSpPr>
+        <a:xfrm>
+          <a:off x="0" y="0"/>
+          <a:ext cx="0" cy="0"/>
+          <a:chOff x="0" y="0"/>
+          <a:chExt cx="0" cy="0"/>
+        </a:xfrm>
+      </p:grpSpPr>
+      <p:sp>
+        <p:nvSpPr>
           <p:cNvPr id="2" name="Title 1"/>
           <p:cNvSpPr>
             <a:spLocks noGrp="1"/>
@@ -8416,7 +9058,7 @@
 </p:sld>
 </file>
 
-<file path=ppt/slides/slide12.xml><?xml version="1.0" encoding="utf-8"?>
+<file path=ppt/slides/slide14.xml><?xml version="1.0" encoding="utf-8"?>
 <p:sld xmlns:a="http://schemas.openxmlformats.org/drawingml/2006/main" xmlns:r="http://schemas.openxmlformats.org/officeDocument/2006/relationships" xmlns:p="http://schemas.openxmlformats.org/presentationml/2006/main">
   <p:cSld>
     <p:spTree>
@@ -8521,7 +9163,7 @@
 </p:sld>
 </file>
 
-<file path=ppt/slides/slide13.xml><?xml version="1.0" encoding="utf-8"?>
+<file path=ppt/slides/slide15.xml><?xml version="1.0" encoding="utf-8"?>
 <p:sld xmlns:a="http://schemas.openxmlformats.org/drawingml/2006/main" xmlns:r="http://schemas.openxmlformats.org/officeDocument/2006/relationships" xmlns:p="http://schemas.openxmlformats.org/presentationml/2006/main">
   <p:cSld>
     <p:spTree>
@@ -8687,7 +9329,7 @@
 </p:sld>
 </file>
 
-<file path=ppt/slides/slide14.xml><?xml version="1.0" encoding="utf-8"?>
+<file path=ppt/slides/slide16.xml><?xml version="1.0" encoding="utf-8"?>
 <p:sld xmlns:a="http://schemas.openxmlformats.org/drawingml/2006/main" xmlns:r="http://schemas.openxmlformats.org/officeDocument/2006/relationships" xmlns:p="http://schemas.openxmlformats.org/presentationml/2006/main">
   <p:cSld>
     <p:spTree>
@@ -9350,256 +9992,46 @@
       </p:grpSpPr>
       <p:sp>
         <p:nvSpPr>
-          <p:cNvPr id="2" name="Title 1"/>
-          <p:cNvSpPr>
-            <a:spLocks noGrp="1"/>
-          </p:cNvSpPr>
-          <p:nvPr>
-            <p:ph type="title"/>
-          </p:nvPr>
+          <p:cNvPr id="4" name="Rectangle 3"/>
+          <p:cNvSpPr/>
+          <p:nvPr/>
         </p:nvSpPr>
         <p:spPr>
           <a:xfrm>
-            <a:off x="1866901" y="1068610"/>
-            <a:ext cx="9637712" cy="1280890"/>
-          </a:xfrm>
-        </p:spPr>
-        <p:txBody>
-          <a:bodyPr/>
-          <a:lstStyle/>
-          <a:p>
-            <a:r>
-              <a:rPr lang="en-US" b="1" dirty="0" smtClean="0">
-                <a:latin typeface="Arial" panose="020B0604020202020204" pitchFamily="34" charset="0"/>
-                <a:cs typeface="Arial" panose="020B0604020202020204" pitchFamily="34" charset="0"/>
-              </a:rPr>
-              <a:t>WHAT IS CSS GRID and FLEXBOX</a:t>
-            </a:r>
-            <a:r>
-              <a:rPr lang="en-US" dirty="0" smtClean="0">
-                <a:latin typeface="Arial" panose="020B0604020202020204" pitchFamily="34" charset="0"/>
-                <a:cs typeface="Arial" panose="020B0604020202020204" pitchFamily="34" charset="0"/>
-              </a:rPr>
-              <a:t>:</a:t>
-            </a:r>
-            <a:endParaRPr lang="en-US" dirty="0">
-              <a:latin typeface="Arial" panose="020B0604020202020204" pitchFamily="34" charset="0"/>
-              <a:cs typeface="Arial" panose="020B0604020202020204" pitchFamily="34" charset="0"/>
-            </a:endParaRPr>
-          </a:p>
-        </p:txBody>
-      </p:sp>
-      <p:sp>
-        <p:nvSpPr>
-          <p:cNvPr id="3" name="Content Placeholder 2"/>
-          <p:cNvSpPr>
-            <a:spLocks noGrp="1"/>
-          </p:cNvSpPr>
-          <p:nvPr>
-            <p:ph idx="1"/>
-          </p:nvPr>
-        </p:nvSpPr>
-        <p:spPr>
-          <a:xfrm>
-            <a:off x="1866901" y="1905000"/>
-            <a:ext cx="9042399" cy="4006222"/>
-          </a:xfrm>
-        </p:spPr>
-        <p:txBody>
-          <a:bodyPr>
-            <a:normAutofit/>
-          </a:bodyPr>
-          <a:lstStyle/>
-          <a:p>
-            <a:r>
-              <a:rPr lang="en-US" sz="2400" dirty="0" smtClean="0">
-                <a:latin typeface="Arial" panose="020B0604020202020204" pitchFamily="34" charset="0"/>
-                <a:cs typeface="Arial" panose="020B0604020202020204" pitchFamily="34" charset="0"/>
-              </a:rPr>
-              <a:t>CSS </a:t>
-            </a:r>
-            <a:r>
-              <a:rPr lang="en-US" sz="2400" dirty="0">
-                <a:latin typeface="Arial" panose="020B0604020202020204" pitchFamily="34" charset="0"/>
-                <a:cs typeface="Arial" panose="020B0604020202020204" pitchFamily="34" charset="0"/>
-              </a:rPr>
-              <a:t>specifies how </a:t>
-            </a:r>
-            <a:r>
-              <a:rPr lang="en-US" sz="2400" dirty="0" smtClean="0">
-                <a:latin typeface="Arial" panose="020B0604020202020204" pitchFamily="34" charset="0"/>
-                <a:cs typeface="Arial" panose="020B0604020202020204" pitchFamily="34" charset="0"/>
-              </a:rPr>
-              <a:t>a web page looks </a:t>
-            </a:r>
-            <a:r>
-              <a:rPr lang="en-US" sz="2400" dirty="0">
-                <a:latin typeface="Arial" panose="020B0604020202020204" pitchFamily="34" charset="0"/>
-                <a:cs typeface="Arial" panose="020B0604020202020204" pitchFamily="34" charset="0"/>
-              </a:rPr>
-              <a:t>its colors, fonts, formatting, layout, and styling</a:t>
-            </a:r>
-            <a:r>
-              <a:rPr lang="en-US" sz="2400" dirty="0" smtClean="0">
-                <a:latin typeface="Arial" panose="020B0604020202020204" pitchFamily="34" charset="0"/>
-                <a:cs typeface="Arial" panose="020B0604020202020204" pitchFamily="34" charset="0"/>
-              </a:rPr>
-              <a:t>.</a:t>
-            </a:r>
-          </a:p>
-          <a:p>
-            <a:r>
-              <a:rPr lang="en-US" sz="2400" dirty="0">
-                <a:latin typeface="Arial" panose="020B0604020202020204" pitchFamily="34" charset="0"/>
-                <a:cs typeface="Arial" panose="020B0604020202020204" pitchFamily="34" charset="0"/>
-              </a:rPr>
-              <a:t>CSS </a:t>
-            </a:r>
-            <a:r>
-              <a:rPr lang="en-US" sz="2400" dirty="0" smtClean="0">
-                <a:latin typeface="Arial" panose="020B0604020202020204" pitchFamily="34" charset="0"/>
-                <a:cs typeface="Arial" panose="020B0604020202020204" pitchFamily="34" charset="0"/>
-              </a:rPr>
-              <a:t>flex-box and Grid layout are </a:t>
-            </a:r>
-            <a:r>
-              <a:rPr lang="en-US" sz="2400" dirty="0">
-                <a:latin typeface="Arial" panose="020B0604020202020204" pitchFamily="34" charset="0"/>
-                <a:cs typeface="Arial" panose="020B0604020202020204" pitchFamily="34" charset="0"/>
-              </a:rPr>
-              <a:t>particular </a:t>
-            </a:r>
-            <a:r>
-              <a:rPr lang="en-US" sz="2400" dirty="0" smtClean="0">
-                <a:latin typeface="Arial" panose="020B0604020202020204" pitchFamily="34" charset="0"/>
-                <a:cs typeface="Arial" panose="020B0604020202020204" pitchFamily="34" charset="0"/>
-              </a:rPr>
-              <a:t>ways </a:t>
-            </a:r>
-            <a:r>
-              <a:rPr lang="en-US" sz="2400" dirty="0">
-                <a:latin typeface="Arial" panose="020B0604020202020204" pitchFamily="34" charset="0"/>
-                <a:cs typeface="Arial" panose="020B0604020202020204" pitchFamily="34" charset="0"/>
-              </a:rPr>
-              <a:t>to specify the layout of HTML pages</a:t>
-            </a:r>
-            <a:r>
-              <a:rPr lang="en-US" sz="2400" dirty="0" smtClean="0">
-                <a:latin typeface="Arial" panose="020B0604020202020204" pitchFamily="34" charset="0"/>
-                <a:cs typeface="Arial" panose="020B0604020202020204" pitchFamily="34" charset="0"/>
-              </a:rPr>
-              <a:t>.</a:t>
-            </a:r>
-          </a:p>
-          <a:p>
-            <a:r>
-              <a:rPr lang="en-US" sz="2400" dirty="0" smtClean="0">
-                <a:latin typeface="Arial" panose="020B0604020202020204" pitchFamily="34" charset="0"/>
-                <a:cs typeface="Arial" panose="020B0604020202020204" pitchFamily="34" charset="0"/>
-              </a:rPr>
-              <a:t>Flex </a:t>
-            </a:r>
-            <a:r>
-              <a:rPr lang="en-US" sz="2400" dirty="0">
-                <a:latin typeface="Arial" panose="020B0604020202020204" pitchFamily="34" charset="0"/>
-                <a:cs typeface="Arial" panose="020B0604020202020204" pitchFamily="34" charset="0"/>
-              </a:rPr>
-              <a:t>boxes can adjust in size either decreasing, to avoid unnecessarily monopolizing space, or increasing to make room for contents </a:t>
-            </a:r>
-            <a:r>
-              <a:rPr lang="en-US" sz="2400" dirty="0" smtClean="0">
-                <a:latin typeface="Arial" panose="020B0604020202020204" pitchFamily="34" charset="0"/>
-                <a:cs typeface="Arial" panose="020B0604020202020204" pitchFamily="34" charset="0"/>
-              </a:rPr>
-              <a:t>to </a:t>
-            </a:r>
-            <a:r>
-              <a:rPr lang="en-US" sz="2400" dirty="0">
-                <a:latin typeface="Arial" panose="020B0604020202020204" pitchFamily="34" charset="0"/>
-                <a:cs typeface="Arial" panose="020B0604020202020204" pitchFamily="34" charset="0"/>
-              </a:rPr>
-              <a:t>be constrained within its boundaries.</a:t>
-            </a:r>
-            <a:endParaRPr lang="en-US" sz="2400" dirty="0" smtClean="0">
-              <a:latin typeface="Arial" panose="020B0604020202020204" pitchFamily="34" charset="0"/>
-              <a:cs typeface="Arial" panose="020B0604020202020204" pitchFamily="34" charset="0"/>
-            </a:endParaRPr>
-          </a:p>
-          <a:p>
-            <a:endParaRPr lang="en-US" sz="2000" dirty="0">
-              <a:latin typeface="Arial" panose="020B0604020202020204" pitchFamily="34" charset="0"/>
-              <a:cs typeface="Arial" panose="020B0604020202020204" pitchFamily="34" charset="0"/>
-            </a:endParaRPr>
-          </a:p>
-        </p:txBody>
-      </p:sp>
-      <p:sp>
-        <p:nvSpPr>
-          <p:cNvPr id="4" name="TextBox 3"/>
-          <p:cNvSpPr txBox="1"/>
-          <p:nvPr/>
-        </p:nvSpPr>
-        <p:spPr>
-          <a:xfrm>
-            <a:off x="8191500" y="6286500"/>
-            <a:ext cx="4000500" cy="461665"/>
+            <a:off x="1714500" y="1072634"/>
+            <a:ext cx="10134599" cy="2554545"/>
           </a:xfrm>
           <a:prstGeom prst="rect">
             <a:avLst/>
           </a:prstGeom>
-          <a:noFill/>
-        </p:spPr>
-        <p:txBody>
-          <a:bodyPr wrap="square" rtlCol="0">
+        </p:spPr>
+        <p:txBody>
+          <a:bodyPr wrap="square">
             <a:spAutoFit/>
           </a:bodyPr>
           <a:lstStyle/>
           <a:p>
             <a:r>
-              <a:rPr lang="en-US" sz="2400" dirty="0" smtClean="0">
-                <a:latin typeface="Arial" panose="020B0604020202020204" pitchFamily="34" charset="0"/>
-                <a:cs typeface="Arial" panose="020B0604020202020204" pitchFamily="34" charset="0"/>
-              </a:rPr>
-              <a:t>RethimaReddy </a:t>
-            </a:r>
-            <a:r>
-              <a:rPr lang="en-US" sz="2400" dirty="0">
-                <a:latin typeface="Arial" panose="020B0604020202020204" pitchFamily="34" charset="0"/>
-                <a:cs typeface="Arial" panose="020B0604020202020204" pitchFamily="34" charset="0"/>
-              </a:rPr>
-              <a:t>P</a:t>
-            </a:r>
-            <a:r>
-              <a:rPr lang="en-US" sz="2400" dirty="0" smtClean="0">
-                <a:latin typeface="Arial" panose="020B0604020202020204" pitchFamily="34" charset="0"/>
-                <a:cs typeface="Arial" panose="020B0604020202020204" pitchFamily="34" charset="0"/>
-              </a:rPr>
-              <a:t>olam</a:t>
-            </a:r>
-            <a:endParaRPr lang="en-US" sz="2400" dirty="0">
-              <a:latin typeface="Arial" panose="020B0604020202020204" pitchFamily="34" charset="0"/>
-              <a:cs typeface="Arial" panose="020B0604020202020204" pitchFamily="34" charset="0"/>
-            </a:endParaRPr>
+              <a:rPr lang="en-US" sz="8000" b="1" dirty="0" smtClean="0">
+                <a:latin typeface="Arial" panose="020B0604020202020204" pitchFamily="34" charset="0"/>
+                <a:cs typeface="Arial" panose="020B0604020202020204" pitchFamily="34" charset="0"/>
+              </a:rPr>
+              <a:t>CSS-FLEXBOX and 								GRID</a:t>
+            </a:r>
+            <a:endParaRPr lang="en-US" sz="8000" dirty="0"/>
           </a:p>
         </p:txBody>
       </p:sp>
     </p:spTree>
     <p:extLst>
       <p:ext uri="{BB962C8B-B14F-4D97-AF65-F5344CB8AC3E}">
-        <p14:creationId xmlns:p14="http://schemas.microsoft.com/office/powerpoint/2010/main" val="4105019064"/>
+        <p14:creationId xmlns:p14="http://schemas.microsoft.com/office/powerpoint/2010/main" val="128043775"/>
       </p:ext>
     </p:extLst>
   </p:cSld>
   <p:clrMapOvr>
     <a:masterClrMapping/>
   </p:clrMapOvr>
-  <p:timing>
-    <p:tnLst>
-      <p:par>
-        <p:cTn id="1" dur="indefinite" restart="never" nodeType="tmRoot"/>
-      </p:par>
-    </p:tnLst>
-  </p:timing>
 </p:sld>
 </file>
 
@@ -9632,8 +10064,8 @@
         </p:nvSpPr>
         <p:spPr>
           <a:xfrm>
-            <a:off x="2592925" y="344710"/>
-            <a:ext cx="8911687" cy="747490"/>
+            <a:off x="1866901" y="1068610"/>
+            <a:ext cx="9637712" cy="1280890"/>
           </a:xfrm>
         </p:spPr>
         <p:txBody>
@@ -9641,11 +10073,18 @@
           <a:lstStyle/>
           <a:p>
             <a:r>
+              <a:rPr lang="en-US" b="1" dirty="0" smtClean="0">
+                <a:latin typeface="Arial" panose="020B0604020202020204" pitchFamily="34" charset="0"/>
+                <a:cs typeface="Arial" panose="020B0604020202020204" pitchFamily="34" charset="0"/>
+              </a:rPr>
+              <a:t>WHAT IS CSS GRID and FLEXBOX</a:t>
+            </a:r>
+            <a:r>
               <a:rPr lang="en-US" dirty="0" smtClean="0">
                 <a:latin typeface="Arial" panose="020B0604020202020204" pitchFamily="34" charset="0"/>
                 <a:cs typeface="Arial" panose="020B0604020202020204" pitchFamily="34" charset="0"/>
               </a:rPr>
-              <a:t>Terminology of FlexBox</a:t>
+              <a:t>:</a:t>
             </a:r>
             <a:endParaRPr lang="en-US" dirty="0">
               <a:latin typeface="Arial" panose="020B0604020202020204" pitchFamily="34" charset="0"/>
@@ -9666,128 +10105,143 @@
         </p:nvSpPr>
         <p:spPr>
           <a:xfrm>
-            <a:off x="1968500" y="1092200"/>
-            <a:ext cx="9536112" cy="5461000"/>
+            <a:off x="1866901" y="1905000"/>
+            <a:ext cx="9042399" cy="4006222"/>
           </a:xfrm>
         </p:spPr>
         <p:txBody>
           <a:bodyPr>
-            <a:noAutofit/>
+            <a:normAutofit/>
           </a:bodyPr>
           <a:lstStyle/>
           <a:p>
-            <a:pPr marL="0" indent="0">
-              <a:buNone/>
-            </a:pPr>
-            <a:r>
-              <a:rPr lang="en-US" sz="2000" dirty="0">
-                <a:latin typeface="Arial" panose="020B0604020202020204" pitchFamily="34" charset="0"/>
-                <a:cs typeface="Arial" panose="020B0604020202020204" pitchFamily="34" charset="0"/>
-              </a:rPr>
-              <a:t>The flex container properties are:</a:t>
-            </a:r>
-          </a:p>
-          <a:p>
-            <a:r>
-              <a:rPr lang="en-US" sz="2000" dirty="0">
-                <a:latin typeface="Arial" panose="020B0604020202020204" pitchFamily="34" charset="0"/>
-                <a:cs typeface="Arial" panose="020B0604020202020204" pitchFamily="34" charset="0"/>
-              </a:rPr>
-              <a:t>1. flex-directions</a:t>
-            </a:r>
-          </a:p>
-          <a:p>
-            <a:r>
-              <a:rPr lang="en-US" sz="2000" dirty="0">
-                <a:latin typeface="Arial" panose="020B0604020202020204" pitchFamily="34" charset="0"/>
-                <a:cs typeface="Arial" panose="020B0604020202020204" pitchFamily="34" charset="0"/>
-              </a:rPr>
-              <a:t>2. flex-wrap</a:t>
-            </a:r>
-          </a:p>
-          <a:p>
-            <a:r>
-              <a:rPr lang="en-US" sz="2000" dirty="0">
-                <a:latin typeface="Arial" panose="020B0604020202020204" pitchFamily="34" charset="0"/>
-                <a:cs typeface="Arial" panose="020B0604020202020204" pitchFamily="34" charset="0"/>
-              </a:rPr>
-              <a:t>3. justify contents</a:t>
-            </a:r>
-          </a:p>
-          <a:p>
-            <a:r>
-              <a:rPr lang="en-US" sz="2000" dirty="0">
-                <a:latin typeface="Arial" panose="020B0604020202020204" pitchFamily="34" charset="0"/>
-                <a:cs typeface="Arial" panose="020B0604020202020204" pitchFamily="34" charset="0"/>
-              </a:rPr>
-              <a:t>4. align-items</a:t>
-            </a:r>
-          </a:p>
-          <a:p>
-            <a:r>
-              <a:rPr lang="en-US" sz="2000" dirty="0">
-                <a:latin typeface="Arial" panose="020B0604020202020204" pitchFamily="34" charset="0"/>
-                <a:cs typeface="Arial" panose="020B0604020202020204" pitchFamily="34" charset="0"/>
-              </a:rPr>
-              <a:t>5. align-contents</a:t>
-            </a:r>
-          </a:p>
-          <a:p>
-            <a:r>
-              <a:rPr lang="en-US" sz="2000" dirty="0">
-                <a:latin typeface="Arial" panose="020B0604020202020204" pitchFamily="34" charset="0"/>
-                <a:cs typeface="Arial" panose="020B0604020202020204" pitchFamily="34" charset="0"/>
-              </a:rPr>
-              <a:t>6. </a:t>
-            </a:r>
-            <a:r>
-              <a:rPr lang="en-US" sz="2000" dirty="0" smtClean="0">
-                <a:latin typeface="Arial" panose="020B0604020202020204" pitchFamily="34" charset="0"/>
-                <a:cs typeface="Arial" panose="020B0604020202020204" pitchFamily="34" charset="0"/>
-              </a:rPr>
-              <a:t>flex</a:t>
-            </a:r>
+            <a:r>
+              <a:rPr lang="en-US" sz="2400" dirty="0" smtClean="0">
+                <a:latin typeface="Arial" panose="020B0604020202020204" pitchFamily="34" charset="0"/>
+                <a:cs typeface="Arial" panose="020B0604020202020204" pitchFamily="34" charset="0"/>
+              </a:rPr>
+              <a:t>CSS </a:t>
+            </a:r>
+            <a:r>
+              <a:rPr lang="en-US" sz="2400" dirty="0">
+                <a:latin typeface="Arial" panose="020B0604020202020204" pitchFamily="34" charset="0"/>
+                <a:cs typeface="Arial" panose="020B0604020202020204" pitchFamily="34" charset="0"/>
+              </a:rPr>
+              <a:t>specifies how </a:t>
+            </a:r>
+            <a:r>
+              <a:rPr lang="en-US" sz="2400" dirty="0" smtClean="0">
+                <a:latin typeface="Arial" panose="020B0604020202020204" pitchFamily="34" charset="0"/>
+                <a:cs typeface="Arial" panose="020B0604020202020204" pitchFamily="34" charset="0"/>
+              </a:rPr>
+              <a:t>a web page looks </a:t>
+            </a:r>
+            <a:r>
+              <a:rPr lang="en-US" sz="2400" dirty="0" smtClean="0">
+                <a:latin typeface="Arial" panose="020B0604020202020204" pitchFamily="34" charset="0"/>
+                <a:cs typeface="Arial" panose="020B0604020202020204" pitchFamily="34" charset="0"/>
+              </a:rPr>
+              <a:t>like, its </a:t>
+            </a:r>
+            <a:r>
+              <a:rPr lang="en-US" sz="2400" dirty="0">
+                <a:latin typeface="Arial" panose="020B0604020202020204" pitchFamily="34" charset="0"/>
+                <a:cs typeface="Arial" panose="020B0604020202020204" pitchFamily="34" charset="0"/>
+              </a:rPr>
+              <a:t>colors, fonts, formatting, layout, and styling</a:t>
+            </a:r>
+            <a:r>
+              <a:rPr lang="en-US" sz="2400" dirty="0" smtClean="0">
+                <a:latin typeface="Arial" panose="020B0604020202020204" pitchFamily="34" charset="0"/>
+                <a:cs typeface="Arial" panose="020B0604020202020204" pitchFamily="34" charset="0"/>
+              </a:rPr>
+              <a:t>.</a:t>
+            </a:r>
+          </a:p>
+          <a:p>
+            <a:r>
+              <a:rPr lang="en-US" sz="2400" dirty="0">
+                <a:latin typeface="Arial" panose="020B0604020202020204" pitchFamily="34" charset="0"/>
+                <a:cs typeface="Arial" panose="020B0604020202020204" pitchFamily="34" charset="0"/>
+              </a:rPr>
+              <a:t>CSS </a:t>
+            </a:r>
+            <a:r>
+              <a:rPr lang="en-US" sz="2400" dirty="0" smtClean="0">
+                <a:latin typeface="Arial" panose="020B0604020202020204" pitchFamily="34" charset="0"/>
+                <a:cs typeface="Arial" panose="020B0604020202020204" pitchFamily="34" charset="0"/>
+              </a:rPr>
+              <a:t>flex-box and Grid layout are </a:t>
+            </a:r>
+            <a:r>
+              <a:rPr lang="en-US" sz="2400" dirty="0">
+                <a:latin typeface="Arial" panose="020B0604020202020204" pitchFamily="34" charset="0"/>
+                <a:cs typeface="Arial" panose="020B0604020202020204" pitchFamily="34" charset="0"/>
+              </a:rPr>
+              <a:t>particular </a:t>
+            </a:r>
+            <a:r>
+              <a:rPr lang="en-US" sz="2400" dirty="0" smtClean="0">
+                <a:latin typeface="Arial" panose="020B0604020202020204" pitchFamily="34" charset="0"/>
+                <a:cs typeface="Arial" panose="020B0604020202020204" pitchFamily="34" charset="0"/>
+              </a:rPr>
+              <a:t>ways </a:t>
+            </a:r>
+            <a:r>
+              <a:rPr lang="en-US" sz="2400" dirty="0">
+                <a:latin typeface="Arial" panose="020B0604020202020204" pitchFamily="34" charset="0"/>
+                <a:cs typeface="Arial" panose="020B0604020202020204" pitchFamily="34" charset="0"/>
+              </a:rPr>
+              <a:t>to specify the layout of HTML pages</a:t>
+            </a:r>
+            <a:r>
+              <a:rPr lang="en-US" sz="2400" dirty="0" smtClean="0">
+                <a:latin typeface="Arial" panose="020B0604020202020204" pitchFamily="34" charset="0"/>
+                <a:cs typeface="Arial" panose="020B0604020202020204" pitchFamily="34" charset="0"/>
+              </a:rPr>
+              <a:t>.</a:t>
+            </a:r>
+          </a:p>
+          <a:p>
+            <a:r>
+              <a:rPr lang="en-US" sz="2400" dirty="0" smtClean="0">
+                <a:latin typeface="Arial" panose="020B0604020202020204" pitchFamily="34" charset="0"/>
+                <a:cs typeface="Arial" panose="020B0604020202020204" pitchFamily="34" charset="0"/>
+              </a:rPr>
+              <a:t>Flex </a:t>
+            </a:r>
+            <a:r>
+              <a:rPr lang="en-US" sz="2400" dirty="0">
+                <a:latin typeface="Arial" panose="020B0604020202020204" pitchFamily="34" charset="0"/>
+                <a:cs typeface="Arial" panose="020B0604020202020204" pitchFamily="34" charset="0"/>
+              </a:rPr>
+              <a:t>boxes can adjust in size either decreasing, to avoid unnecessarily monopolizing space, or increasing to make room for contents </a:t>
+            </a:r>
+            <a:r>
+              <a:rPr lang="en-US" sz="2400" dirty="0" smtClean="0">
+                <a:latin typeface="Arial" panose="020B0604020202020204" pitchFamily="34" charset="0"/>
+                <a:cs typeface="Arial" panose="020B0604020202020204" pitchFamily="34" charset="0"/>
+              </a:rPr>
+              <a:t>to </a:t>
+            </a:r>
+            <a:r>
+              <a:rPr lang="en-US" sz="2400" dirty="0">
+                <a:latin typeface="Arial" panose="020B0604020202020204" pitchFamily="34" charset="0"/>
+                <a:cs typeface="Arial" panose="020B0604020202020204" pitchFamily="34" charset="0"/>
+              </a:rPr>
+              <a:t>be constrained within its boundaries.</a:t>
+            </a:r>
+            <a:endParaRPr lang="en-US" sz="2400" dirty="0" smtClean="0">
+              <a:latin typeface="Arial" panose="020B0604020202020204" pitchFamily="34" charset="0"/>
+              <a:cs typeface="Arial" panose="020B0604020202020204" pitchFamily="34" charset="0"/>
+            </a:endParaRPr>
+          </a:p>
+          <a:p>
             <a:endParaRPr lang="en-US" sz="2000" dirty="0">
               <a:latin typeface="Arial" panose="020B0604020202020204" pitchFamily="34" charset="0"/>
               <a:cs typeface="Arial" panose="020B0604020202020204" pitchFamily="34" charset="0"/>
             </a:endParaRPr>
           </a:p>
-          <a:p>
-            <a:r>
-              <a:rPr lang="en-US" sz="2000" dirty="0">
-                <a:latin typeface="Arial" panose="020B0604020202020204" pitchFamily="34" charset="0"/>
-                <a:cs typeface="Arial" panose="020B0604020202020204" pitchFamily="34" charset="0"/>
-              </a:rPr>
-              <a:t>7</a:t>
-            </a:r>
-            <a:r>
-              <a:rPr lang="en-US" sz="2000" dirty="0" smtClean="0">
-                <a:latin typeface="Arial" panose="020B0604020202020204" pitchFamily="34" charset="0"/>
-                <a:cs typeface="Arial" panose="020B0604020202020204" pitchFamily="34" charset="0"/>
-              </a:rPr>
-              <a:t>. </a:t>
-            </a:r>
-            <a:r>
-              <a:rPr lang="en-US" sz="2000" dirty="0">
-                <a:latin typeface="Arial" panose="020B0604020202020204" pitchFamily="34" charset="0"/>
-                <a:cs typeface="Arial" panose="020B0604020202020204" pitchFamily="34" charset="0"/>
-              </a:rPr>
-              <a:t>flex-grow</a:t>
-            </a:r>
-          </a:p>
-          <a:p>
-            <a:r>
-              <a:rPr lang="en-US" sz="2000" dirty="0" smtClean="0">
-                <a:latin typeface="Arial" panose="020B0604020202020204" pitchFamily="34" charset="0"/>
-                <a:cs typeface="Arial" panose="020B0604020202020204" pitchFamily="34" charset="0"/>
-              </a:rPr>
-              <a:t>8. flex-shrink</a:t>
-            </a:r>
-            <a:endParaRPr lang="en-US" sz="2000" dirty="0">
-              <a:latin typeface="Arial" panose="020B0604020202020204" pitchFamily="34" charset="0"/>
-              <a:cs typeface="Arial" panose="020B0604020202020204" pitchFamily="34" charset="0"/>
-            </a:endParaRPr>
-          </a:p>
         </p:txBody>
       </p:sp>
       <p:sp>
@@ -9843,7 +10297,7 @@
     </p:spTree>
     <p:extLst>
       <p:ext uri="{BB962C8B-B14F-4D97-AF65-F5344CB8AC3E}">
-        <p14:creationId xmlns:p14="http://schemas.microsoft.com/office/powerpoint/2010/main" val="2435350535"/>
+        <p14:creationId xmlns:p14="http://schemas.microsoft.com/office/powerpoint/2010/main" val="4105019064"/>
       </p:ext>
     </p:extLst>
   </p:cSld>
@@ -9889,8 +10343,49 @@
         </p:nvSpPr>
         <p:spPr>
           <a:xfrm>
-            <a:off x="1539854" y="0"/>
-            <a:ext cx="8911687" cy="737629"/>
+            <a:off x="2592925" y="344710"/>
+            <a:ext cx="8911687" cy="747490"/>
+          </a:xfrm>
+        </p:spPr>
+        <p:txBody>
+          <a:bodyPr/>
+          <a:lstStyle/>
+          <a:p>
+            <a:r>
+              <a:rPr lang="en-US" dirty="0" smtClean="0">
+                <a:latin typeface="Arial" panose="020B0604020202020204" pitchFamily="34" charset="0"/>
+                <a:cs typeface="Arial" panose="020B0604020202020204" pitchFamily="34" charset="0"/>
+              </a:rPr>
+              <a:t>Properties </a:t>
+            </a:r>
+            <a:r>
+              <a:rPr lang="en-US" dirty="0" smtClean="0">
+                <a:latin typeface="Arial" panose="020B0604020202020204" pitchFamily="34" charset="0"/>
+                <a:cs typeface="Arial" panose="020B0604020202020204" pitchFamily="34" charset="0"/>
+              </a:rPr>
+              <a:t>of FlexBox</a:t>
+            </a:r>
+            <a:endParaRPr lang="en-US" dirty="0">
+              <a:latin typeface="Arial" panose="020B0604020202020204" pitchFamily="34" charset="0"/>
+              <a:cs typeface="Arial" panose="020B0604020202020204" pitchFamily="34" charset="0"/>
+            </a:endParaRPr>
+          </a:p>
+        </p:txBody>
+      </p:sp>
+      <p:sp>
+        <p:nvSpPr>
+          <p:cNvPr id="3" name="Content Placeholder 2"/>
+          <p:cNvSpPr>
+            <a:spLocks noGrp="1"/>
+          </p:cNvSpPr>
+          <p:nvPr>
+            <p:ph idx="1"/>
+          </p:nvPr>
+        </p:nvSpPr>
+        <p:spPr>
+          <a:xfrm>
+            <a:off x="1968500" y="1092200"/>
+            <a:ext cx="9536112" cy="5461000"/>
           </a:xfrm>
         </p:spPr>
         <p:txBody>
@@ -9899,115 +10394,115 @@
           </a:bodyPr>
           <a:lstStyle/>
           <a:p>
-            <a:r>
-              <a:rPr lang="en-US" sz="2800" dirty="0" smtClean="0">
-                <a:latin typeface="Arial" panose="020B0604020202020204" pitchFamily="34" charset="0"/>
-                <a:cs typeface="Arial" panose="020B0604020202020204" pitchFamily="34" charset="0"/>
-              </a:rPr>
-              <a:t>Flex-Direction</a:t>
-            </a:r>
-            <a:r>
-              <a:rPr lang="en-US" sz="1800" dirty="0" smtClean="0">
-                <a:latin typeface="Arial" panose="020B0604020202020204" pitchFamily="34" charset="0"/>
-                <a:cs typeface="Arial" panose="020B0604020202020204" pitchFamily="34" charset="0"/>
-              </a:rPr>
-              <a:t/>
-            </a:r>
-            <a:br>
-              <a:rPr lang="en-US" sz="1800" dirty="0" smtClean="0">
-                <a:latin typeface="Arial" panose="020B0604020202020204" pitchFamily="34" charset="0"/>
-                <a:cs typeface="Arial" panose="020B0604020202020204" pitchFamily="34" charset="0"/>
-              </a:rPr>
-            </a:br>
-            <a:r>
-              <a:rPr lang="en-US" sz="1800" dirty="0">
-                <a:latin typeface="Arial" panose="020B0604020202020204" pitchFamily="34" charset="0"/>
-                <a:cs typeface="Arial" panose="020B0604020202020204" pitchFamily="34" charset="0"/>
-              </a:rPr>
-              <a:t/>
-            </a:r>
-            <a:br>
-              <a:rPr lang="en-US" sz="1800" dirty="0">
-                <a:latin typeface="Arial" panose="020B0604020202020204" pitchFamily="34" charset="0"/>
-                <a:cs typeface="Arial" panose="020B0604020202020204" pitchFamily="34" charset="0"/>
-              </a:rPr>
-            </a:br>
-            <a:endParaRPr lang="en-US" sz="1800" dirty="0">
+            <a:pPr marL="0" indent="0">
+              <a:buNone/>
+            </a:pPr>
+            <a:r>
+              <a:rPr lang="en-US" sz="2000" dirty="0">
+                <a:latin typeface="Arial" panose="020B0604020202020204" pitchFamily="34" charset="0"/>
+                <a:cs typeface="Arial" panose="020B0604020202020204" pitchFamily="34" charset="0"/>
+              </a:rPr>
+              <a:t>The flex container properties are:</a:t>
+            </a:r>
+          </a:p>
+          <a:p>
+            <a:r>
+              <a:rPr lang="en-US" sz="2000" dirty="0">
+                <a:latin typeface="Arial" panose="020B0604020202020204" pitchFamily="34" charset="0"/>
+                <a:cs typeface="Arial" panose="020B0604020202020204" pitchFamily="34" charset="0"/>
+              </a:rPr>
+              <a:t>1. flex-directions</a:t>
+            </a:r>
+          </a:p>
+          <a:p>
+            <a:r>
+              <a:rPr lang="en-US" sz="2000" dirty="0">
+                <a:latin typeface="Arial" panose="020B0604020202020204" pitchFamily="34" charset="0"/>
+                <a:cs typeface="Arial" panose="020B0604020202020204" pitchFamily="34" charset="0"/>
+              </a:rPr>
+              <a:t>2. flex-wrap</a:t>
+            </a:r>
+          </a:p>
+          <a:p>
+            <a:r>
+              <a:rPr lang="en-US" sz="2000" dirty="0">
+                <a:latin typeface="Arial" panose="020B0604020202020204" pitchFamily="34" charset="0"/>
+                <a:cs typeface="Arial" panose="020B0604020202020204" pitchFamily="34" charset="0"/>
+              </a:rPr>
+              <a:t>3. justify contents</a:t>
+            </a:r>
+          </a:p>
+          <a:p>
+            <a:r>
+              <a:rPr lang="en-US" sz="2000" dirty="0">
+                <a:latin typeface="Arial" panose="020B0604020202020204" pitchFamily="34" charset="0"/>
+                <a:cs typeface="Arial" panose="020B0604020202020204" pitchFamily="34" charset="0"/>
+              </a:rPr>
+              <a:t>4. </a:t>
+            </a:r>
+            <a:r>
+              <a:rPr lang="en-US" sz="2000" dirty="0" smtClean="0">
+                <a:latin typeface="Arial" panose="020B0604020202020204" pitchFamily="34" charset="0"/>
+                <a:cs typeface="Arial" panose="020B0604020202020204" pitchFamily="34" charset="0"/>
+              </a:rPr>
+              <a:t>align-items</a:t>
+            </a:r>
+          </a:p>
+          <a:p>
+            <a:r>
+              <a:rPr lang="en-US" sz="2000" dirty="0" smtClean="0">
+                <a:latin typeface="Arial" panose="020B0604020202020204" pitchFamily="34" charset="0"/>
+                <a:cs typeface="Arial" panose="020B0604020202020204" pitchFamily="34" charset="0"/>
+              </a:rPr>
+              <a:t>5. </a:t>
+            </a:r>
+            <a:r>
+              <a:rPr lang="en-US" sz="2000" dirty="0">
+                <a:latin typeface="Arial" panose="020B0604020202020204" pitchFamily="34" charset="0"/>
+                <a:cs typeface="Arial" panose="020B0604020202020204" pitchFamily="34" charset="0"/>
+              </a:rPr>
+              <a:t>flex-grow</a:t>
+            </a:r>
+          </a:p>
+          <a:p>
+            <a:r>
+              <a:rPr lang="en-US" sz="2000" dirty="0">
+                <a:latin typeface="Arial" panose="020B0604020202020204" pitchFamily="34" charset="0"/>
+                <a:cs typeface="Arial" panose="020B0604020202020204" pitchFamily="34" charset="0"/>
+              </a:rPr>
+              <a:t>6</a:t>
+            </a:r>
+            <a:r>
+              <a:rPr lang="en-US" sz="2000" dirty="0" smtClean="0">
+                <a:latin typeface="Arial" panose="020B0604020202020204" pitchFamily="34" charset="0"/>
+                <a:cs typeface="Arial" panose="020B0604020202020204" pitchFamily="34" charset="0"/>
+              </a:rPr>
+              <a:t>. </a:t>
+            </a:r>
+            <a:r>
+              <a:rPr lang="en-US" sz="2000" dirty="0" smtClean="0">
+                <a:latin typeface="Arial" panose="020B0604020202020204" pitchFamily="34" charset="0"/>
+                <a:cs typeface="Arial" panose="020B0604020202020204" pitchFamily="34" charset="0"/>
+              </a:rPr>
+              <a:t>flex-shrink</a:t>
+            </a:r>
+            <a:endParaRPr lang="en-US" sz="2000" dirty="0">
               <a:latin typeface="Arial" panose="020B0604020202020204" pitchFamily="34" charset="0"/>
               <a:cs typeface="Arial" panose="020B0604020202020204" pitchFamily="34" charset="0"/>
             </a:endParaRPr>
           </a:p>
         </p:txBody>
       </p:sp>
-      <p:pic>
-        <p:nvPicPr>
-          <p:cNvPr id="4" name="Content Placeholder 3"/>
-          <p:cNvPicPr>
-            <a:picLocks noGrp="1" noChangeAspect="1"/>
-          </p:cNvPicPr>
-          <p:nvPr>
-            <p:ph idx="1"/>
-          </p:nvPr>
-        </p:nvPicPr>
-        <p:blipFill>
-          <a:blip r:embed="rId2">
-            <a:extLst>
-              <a:ext uri="{28A0092B-C50C-407E-A947-70E740481C1C}">
-                <a14:useLocalDpi xmlns:a14="http://schemas.microsoft.com/office/drawing/2010/main" val="0"/>
-              </a:ext>
-            </a:extLst>
-          </a:blip>
-          <a:stretch>
-            <a:fillRect/>
-          </a:stretch>
-        </p:blipFill>
-        <p:spPr>
-          <a:xfrm>
-            <a:off x="1616054" y="1023123"/>
-            <a:ext cx="4759345" cy="2413941"/>
-          </a:xfrm>
-        </p:spPr>
-      </p:pic>
-      <p:pic>
-        <p:nvPicPr>
-          <p:cNvPr id="5" name="Picture 4"/>
-          <p:cNvPicPr>
-            <a:picLocks noChangeAspect="1"/>
-          </p:cNvPicPr>
-          <p:nvPr/>
-        </p:nvPicPr>
-        <p:blipFill>
-          <a:blip r:embed="rId3">
-            <a:extLst>
-              <a:ext uri="{28A0092B-C50C-407E-A947-70E740481C1C}">
-                <a14:useLocalDpi xmlns:a14="http://schemas.microsoft.com/office/drawing/2010/main" val="0"/>
-              </a:ext>
-            </a:extLst>
-          </a:blip>
-          <a:stretch>
-            <a:fillRect/>
-          </a:stretch>
-        </p:blipFill>
-        <p:spPr>
-          <a:xfrm>
-            <a:off x="6972300" y="1015793"/>
-            <a:ext cx="4613727" cy="2446671"/>
-          </a:xfrm>
-          <a:prstGeom prst="rect">
-            <a:avLst/>
-          </a:prstGeom>
-        </p:spPr>
-      </p:pic>
-      <p:sp>
-        <p:nvSpPr>
-          <p:cNvPr id="6" name="TextBox 5"/>
+      <p:sp>
+        <p:nvSpPr>
+          <p:cNvPr id="4" name="TextBox 3"/>
           <p:cNvSpPr txBox="1"/>
           <p:nvPr/>
         </p:nvSpPr>
         <p:spPr>
           <a:xfrm>
-            <a:off x="1704955" y="464619"/>
-            <a:ext cx="7255410" cy="369332"/>
+            <a:off x="8191500" y="6286500"/>
+            <a:ext cx="4000500" cy="461665"/>
           </a:xfrm>
           <a:prstGeom prst="rect">
             <a:avLst/>
@@ -10021,131 +10516,25 @@
           <a:lstStyle/>
           <a:p>
             <a:r>
-              <a:rPr lang="en-US" dirty="0" smtClean="0"/>
-              <a:t>Row										Column</a:t>
-            </a:r>
-            <a:endParaRPr lang="en-US" dirty="0"/>
-          </a:p>
-        </p:txBody>
-      </p:sp>
-      <p:sp>
-        <p:nvSpPr>
-          <p:cNvPr id="8" name="TextBox 7"/>
-          <p:cNvSpPr txBox="1"/>
-          <p:nvPr/>
-        </p:nvSpPr>
-        <p:spPr>
-          <a:xfrm>
-            <a:off x="1568323" y="3513820"/>
-            <a:ext cx="10055803" cy="369332"/>
-          </a:xfrm>
-          <a:prstGeom prst="rect">
-            <a:avLst/>
-          </a:prstGeom>
-          <a:noFill/>
-        </p:spPr>
-        <p:txBody>
-          <a:bodyPr wrap="square" rtlCol="0">
-            <a:spAutoFit/>
-          </a:bodyPr>
-          <a:lstStyle/>
-          <a:p>
-            <a:r>
-              <a:rPr lang="en-US" dirty="0" smtClean="0"/>
-              <a:t>Row-reverse										Column-reverse</a:t>
-            </a:r>
-            <a:endParaRPr lang="en-US" dirty="0"/>
-          </a:p>
-        </p:txBody>
-      </p:sp>
-      <p:pic>
-        <p:nvPicPr>
-          <p:cNvPr id="9" name="Picture 8"/>
-          <p:cNvPicPr>
-            <a:picLocks noChangeAspect="1"/>
-          </p:cNvPicPr>
-          <p:nvPr/>
-        </p:nvPicPr>
-        <p:blipFill>
-          <a:blip r:embed="rId4">
-            <a:extLst>
-              <a:ext uri="{28A0092B-C50C-407E-A947-70E740481C1C}">
-                <a14:useLocalDpi xmlns:a14="http://schemas.microsoft.com/office/drawing/2010/main" val="0"/>
-              </a:ext>
-            </a:extLst>
-          </a:blip>
-          <a:stretch>
-            <a:fillRect/>
-          </a:stretch>
-        </p:blipFill>
-        <p:spPr>
-          <a:xfrm>
-            <a:off x="1555624" y="3972052"/>
-            <a:ext cx="4845175" cy="2470953"/>
-          </a:xfrm>
-          <a:prstGeom prst="rect">
-            <a:avLst/>
-          </a:prstGeom>
-        </p:spPr>
-      </p:pic>
-      <p:pic>
-        <p:nvPicPr>
-          <p:cNvPr id="10" name="Picture 9"/>
-          <p:cNvPicPr>
-            <a:picLocks noChangeAspect="1"/>
-          </p:cNvPicPr>
-          <p:nvPr/>
-        </p:nvPicPr>
-        <p:blipFill>
-          <a:blip r:embed="rId5">
-            <a:extLst>
-              <a:ext uri="{28A0092B-C50C-407E-A947-70E740481C1C}">
-                <a14:useLocalDpi xmlns:a14="http://schemas.microsoft.com/office/drawing/2010/main" val="0"/>
-              </a:ext>
-            </a:extLst>
-          </a:blip>
-          <a:stretch>
-            <a:fillRect/>
-          </a:stretch>
-        </p:blipFill>
-        <p:spPr>
-          <a:xfrm>
-            <a:off x="6945085" y="3951837"/>
-            <a:ext cx="4717143" cy="2464618"/>
-          </a:xfrm>
-          <a:prstGeom prst="rect">
-            <a:avLst/>
-          </a:prstGeom>
-        </p:spPr>
-      </p:pic>
-      <p:sp>
-        <p:nvSpPr>
-          <p:cNvPr id="3" name="TextBox 2"/>
-          <p:cNvSpPr txBox="1"/>
-          <p:nvPr/>
-        </p:nvSpPr>
-        <p:spPr>
-          <a:xfrm>
-            <a:off x="7556500" y="6396335"/>
-            <a:ext cx="4635500" cy="461665"/>
-          </a:xfrm>
-          <a:prstGeom prst="rect">
-            <a:avLst/>
-          </a:prstGeom>
-          <a:noFill/>
-        </p:spPr>
-        <p:txBody>
-          <a:bodyPr wrap="square" rtlCol="0">
-            <a:spAutoFit/>
-          </a:bodyPr>
-          <a:lstStyle/>
-          <a:p>
-            <a:r>
               <a:rPr lang="en-US" sz="2400" dirty="0" smtClean="0">
                 <a:latin typeface="Arial" panose="020B0604020202020204" pitchFamily="34" charset="0"/>
                 <a:cs typeface="Arial" panose="020B0604020202020204" pitchFamily="34" charset="0"/>
               </a:rPr>
-              <a:t>Mahender Reddy Surkanti</a:t>
+              <a:t>RethimaReddy </a:t>
+            </a:r>
+            <a:r>
+              <a:rPr lang="en-US" sz="2400" dirty="0">
+                <a:latin typeface="Arial" panose="020B0604020202020204" pitchFamily="34" charset="0"/>
+                <a:cs typeface="Arial" panose="020B0604020202020204" pitchFamily="34" charset="0"/>
+              </a:rPr>
+              <a:t>P</a:t>
+            </a:r>
+            <a:r>
+              <a:rPr lang="en-US" sz="2400" dirty="0" smtClean="0">
+                <a:latin typeface="Arial" panose="020B0604020202020204" pitchFamily="34" charset="0"/>
+                <a:cs typeface="Arial" panose="020B0604020202020204" pitchFamily="34" charset="0"/>
+              </a:rPr>
+              <a:t>olam</a:t>
             </a:r>
             <a:endParaRPr lang="en-US" sz="2400" dirty="0">
               <a:latin typeface="Arial" panose="020B0604020202020204" pitchFamily="34" charset="0"/>
@@ -10157,7 +10546,7 @@
     </p:spTree>
     <p:extLst>
       <p:ext uri="{BB962C8B-B14F-4D97-AF65-F5344CB8AC3E}">
-        <p14:creationId xmlns:p14="http://schemas.microsoft.com/office/powerpoint/2010/main" val="3835872068"/>
+        <p14:creationId xmlns:p14="http://schemas.microsoft.com/office/powerpoint/2010/main" val="2435350535"/>
       </p:ext>
     </p:extLst>
   </p:cSld>
@@ -10203,151 +10592,49 @@
         </p:nvSpPr>
         <p:spPr>
           <a:xfrm>
-            <a:off x="1567543" y="217708"/>
-            <a:ext cx="9791926" cy="682176"/>
-          </a:xfrm>
-        </p:spPr>
-        <p:txBody>
-          <a:bodyPr/>
-          <a:lstStyle/>
-          <a:p>
-            <a:r>
-              <a:rPr lang="en-US" dirty="0" smtClean="0">
-                <a:latin typeface="Arial" panose="020B0604020202020204" pitchFamily="34" charset="0"/>
-                <a:cs typeface="Arial" panose="020B0604020202020204" pitchFamily="34" charset="0"/>
-              </a:rPr>
-              <a:t>Flex-wrap</a:t>
-            </a:r>
-            <a:endParaRPr lang="en-US" dirty="0">
-              <a:latin typeface="Arial" panose="020B0604020202020204" pitchFamily="34" charset="0"/>
-              <a:cs typeface="Arial" panose="020B0604020202020204" pitchFamily="34" charset="0"/>
-            </a:endParaRPr>
-          </a:p>
-        </p:txBody>
-      </p:sp>
-      <p:sp>
-        <p:nvSpPr>
-          <p:cNvPr id="3" name="Content Placeholder 2"/>
-          <p:cNvSpPr>
-            <a:spLocks noGrp="1"/>
-          </p:cNvSpPr>
-          <p:nvPr>
-            <p:ph idx="1"/>
-          </p:nvPr>
-        </p:nvSpPr>
-        <p:spPr>
-          <a:xfrm>
-            <a:off x="1436914" y="899885"/>
-            <a:ext cx="10755085" cy="5849257"/>
+            <a:off x="1539854" y="0"/>
+            <a:ext cx="8911687" cy="737629"/>
           </a:xfrm>
         </p:spPr>
         <p:txBody>
           <a:bodyPr>
-            <a:normAutofit/>
+            <a:noAutofit/>
           </a:bodyPr>
           <a:lstStyle/>
           <a:p>
-            <a:pPr marL="0" indent="0">
-              <a:buNone/>
-            </a:pPr>
-            <a:r>
-              <a:rPr lang="en-US" sz="2400" dirty="0">
-                <a:latin typeface="Arial" panose="020B0604020202020204" pitchFamily="34" charset="0"/>
-                <a:cs typeface="Arial" panose="020B0604020202020204" pitchFamily="34" charset="0"/>
-              </a:rPr>
-              <a:t>The flex-wrap property specifies whether the flex items should wrap or not</a:t>
-            </a:r>
-            <a:r>
-              <a:rPr lang="en-US" sz="2400" dirty="0" smtClean="0">
-                <a:latin typeface="Arial" panose="020B0604020202020204" pitchFamily="34" charset="0"/>
-                <a:cs typeface="Arial" panose="020B0604020202020204" pitchFamily="34" charset="0"/>
-              </a:rPr>
-              <a:t>.</a:t>
-            </a:r>
-            <a:endParaRPr lang="en-US" sz="2400" dirty="0">
-              <a:latin typeface="Arial" panose="020B0604020202020204" pitchFamily="34" charset="0"/>
-              <a:cs typeface="Arial" panose="020B0604020202020204" pitchFamily="34" charset="0"/>
-            </a:endParaRPr>
-          </a:p>
-          <a:p>
-            <a:r>
-              <a:rPr lang="en-US" sz="2400" dirty="0" smtClean="0">
-                <a:latin typeface="Arial" panose="020B0604020202020204" pitchFamily="34" charset="0"/>
-                <a:cs typeface="Arial" panose="020B0604020202020204" pitchFamily="34" charset="0"/>
-              </a:rPr>
-              <a:t>a</a:t>
-            </a:r>
-            <a:r>
-              <a:rPr lang="en-US" sz="2400" dirty="0">
-                <a:latin typeface="Arial" panose="020B0604020202020204" pitchFamily="34" charset="0"/>
-                <a:cs typeface="Arial" panose="020B0604020202020204" pitchFamily="34" charset="0"/>
-              </a:rPr>
-              <a:t>. </a:t>
-            </a:r>
-            <a:r>
-              <a:rPr lang="en-US" sz="2400" dirty="0" smtClean="0">
-                <a:latin typeface="Arial" panose="020B0604020202020204" pitchFamily="34" charset="0"/>
-                <a:cs typeface="Arial" panose="020B0604020202020204" pitchFamily="34" charset="0"/>
-              </a:rPr>
-              <a:t>wrap                        						nowrap</a:t>
-            </a:r>
-          </a:p>
-          <a:p>
-            <a:pPr marL="0" indent="0">
-              <a:buNone/>
-            </a:pPr>
-            <a:endParaRPr lang="en-US" sz="2400" dirty="0" smtClean="0">
-              <a:latin typeface="Arial" panose="020B0604020202020204" pitchFamily="34" charset="0"/>
-              <a:cs typeface="Arial" panose="020B0604020202020204" pitchFamily="34" charset="0"/>
-            </a:endParaRPr>
-          </a:p>
-          <a:p>
-            <a:pPr marL="0" indent="0">
-              <a:buNone/>
-            </a:pPr>
-            <a:endParaRPr lang="en-US" sz="2400" dirty="0">
-              <a:latin typeface="Arial" panose="020B0604020202020204" pitchFamily="34" charset="0"/>
-              <a:cs typeface="Arial" panose="020B0604020202020204" pitchFamily="34" charset="0"/>
-            </a:endParaRPr>
-          </a:p>
-          <a:p>
-            <a:pPr marL="0" indent="0">
-              <a:buNone/>
-            </a:pPr>
-            <a:endParaRPr lang="en-US" sz="2400" dirty="0" smtClean="0">
-              <a:latin typeface="Arial" panose="020B0604020202020204" pitchFamily="34" charset="0"/>
-              <a:cs typeface="Arial" panose="020B0604020202020204" pitchFamily="34" charset="0"/>
-            </a:endParaRPr>
-          </a:p>
-          <a:p>
-            <a:pPr marL="3657600" lvl="8" indent="0">
-              <a:buNone/>
-            </a:pPr>
-            <a:endParaRPr lang="en-US" sz="2400" dirty="0">
-              <a:latin typeface="Arial" panose="020B0604020202020204" pitchFamily="34" charset="0"/>
-              <a:cs typeface="Arial" panose="020B0604020202020204" pitchFamily="34" charset="0"/>
-            </a:endParaRPr>
-          </a:p>
-          <a:p>
-            <a:pPr marL="3657600" lvl="8" indent="0">
-              <a:buNone/>
-            </a:pPr>
-            <a:endParaRPr lang="en-US" sz="2400" dirty="0" smtClean="0">
-              <a:latin typeface="Arial" panose="020B0604020202020204" pitchFamily="34" charset="0"/>
-              <a:cs typeface="Arial" panose="020B0604020202020204" pitchFamily="34" charset="0"/>
-            </a:endParaRPr>
-          </a:p>
-          <a:p>
-            <a:pPr marL="3657600" lvl="8" indent="0">
-              <a:buNone/>
-            </a:pPr>
+            <a:r>
+              <a:rPr lang="en-US" sz="2800" dirty="0" smtClean="0">
+                <a:latin typeface="Arial" panose="020B0604020202020204" pitchFamily="34" charset="0"/>
+                <a:cs typeface="Arial" panose="020B0604020202020204" pitchFamily="34" charset="0"/>
+              </a:rPr>
+              <a:t>Flex-Direction</a:t>
+            </a:r>
             <a:r>
               <a:rPr lang="en-US" sz="1800" dirty="0" smtClean="0">
                 <a:latin typeface="Arial" panose="020B0604020202020204" pitchFamily="34" charset="0"/>
                 <a:cs typeface="Arial" panose="020B0604020202020204" pitchFamily="34" charset="0"/>
               </a:rPr>
-              <a:t>								</a:t>
-            </a:r>
+              <a:t/>
+            </a:r>
+            <a:br>
+              <a:rPr lang="en-US" sz="1800" dirty="0" smtClean="0">
+                <a:latin typeface="Arial" panose="020B0604020202020204" pitchFamily="34" charset="0"/>
+                <a:cs typeface="Arial" panose="020B0604020202020204" pitchFamily="34" charset="0"/>
+              </a:rPr>
+            </a:br>
+            <a:r>
+              <a:rPr lang="en-US" sz="1800" dirty="0">
+                <a:latin typeface="Arial" panose="020B0604020202020204" pitchFamily="34" charset="0"/>
+                <a:cs typeface="Arial" panose="020B0604020202020204" pitchFamily="34" charset="0"/>
+              </a:rPr>
+              <a:t/>
+            </a:r>
+            <a:br>
+              <a:rPr lang="en-US" sz="1800" dirty="0">
+                <a:latin typeface="Arial" panose="020B0604020202020204" pitchFamily="34" charset="0"/>
+                <a:cs typeface="Arial" panose="020B0604020202020204" pitchFamily="34" charset="0"/>
+              </a:rPr>
+            </a:br>
             <a:endParaRPr lang="en-US" sz="1800" dirty="0">
               <a:latin typeface="Arial" panose="020B0604020202020204" pitchFamily="34" charset="0"/>
               <a:cs typeface="Arial" panose="020B0604020202020204" pitchFamily="34" charset="0"/>
@@ -10357,11 +10644,13 @@
       </p:sp>
       <p:pic>
         <p:nvPicPr>
-          <p:cNvPr id="4" name="Picture 3"/>
+          <p:cNvPr id="4" name="Content Placeholder 3"/>
           <p:cNvPicPr>
-            <a:picLocks noChangeAspect="1"/>
+            <a:picLocks noGrp="1" noChangeAspect="1"/>
           </p:cNvPicPr>
-          <p:nvPr/>
+          <p:nvPr>
+            <p:ph idx="1"/>
+          </p:nvPr>
         </p:nvPicPr>
         <p:blipFill>
           <a:blip r:embed="rId2">
@@ -10377,12 +10666,9 @@
         </p:blipFill>
         <p:spPr>
           <a:xfrm>
-            <a:off x="986971" y="1857829"/>
-            <a:ext cx="5113112" cy="2383973"/>
-          </a:xfrm>
-          <a:prstGeom prst="rect">
-            <a:avLst/>
-          </a:prstGeom>
+            <a:off x="1616054" y="1023123"/>
+            <a:ext cx="4759345" cy="2413941"/>
+          </a:xfrm>
         </p:spPr>
       </p:pic>
       <p:pic>
@@ -10407,17 +10693,89 @@
         </p:blipFill>
         <p:spPr>
           <a:xfrm>
-            <a:off x="6463506" y="1857829"/>
-            <a:ext cx="5365070" cy="2383973"/>
+            <a:off x="6972300" y="1015793"/>
+            <a:ext cx="4613727" cy="2446671"/>
           </a:xfrm>
           <a:prstGeom prst="rect">
             <a:avLst/>
           </a:prstGeom>
         </p:spPr>
       </p:pic>
+      <p:sp>
+        <p:nvSpPr>
+          <p:cNvPr id="6" name="TextBox 5"/>
+          <p:cNvSpPr txBox="1"/>
+          <p:nvPr/>
+        </p:nvSpPr>
+        <p:spPr>
+          <a:xfrm>
+            <a:off x="1704955" y="464619"/>
+            <a:ext cx="7255410" cy="461665"/>
+          </a:xfrm>
+          <a:prstGeom prst="rect">
+            <a:avLst/>
+          </a:prstGeom>
+          <a:noFill/>
+        </p:spPr>
+        <p:txBody>
+          <a:bodyPr wrap="square" rtlCol="0">
+            <a:spAutoFit/>
+          </a:bodyPr>
+          <a:lstStyle/>
+          <a:p>
+            <a:r>
+              <a:rPr lang="en-US" sz="2400" dirty="0" smtClean="0">
+                <a:latin typeface="Arial" panose="020B0604020202020204" pitchFamily="34" charset="0"/>
+                <a:cs typeface="Arial" panose="020B0604020202020204" pitchFamily="34" charset="0"/>
+              </a:rPr>
+              <a:t>Row										Column</a:t>
+            </a:r>
+            <a:endParaRPr lang="en-US" sz="2400" dirty="0">
+              <a:latin typeface="Arial" panose="020B0604020202020204" pitchFamily="34" charset="0"/>
+              <a:cs typeface="Arial" panose="020B0604020202020204" pitchFamily="34" charset="0"/>
+            </a:endParaRPr>
+          </a:p>
+        </p:txBody>
+      </p:sp>
+      <p:sp>
+        <p:nvSpPr>
+          <p:cNvPr id="8" name="TextBox 7"/>
+          <p:cNvSpPr txBox="1"/>
+          <p:nvPr/>
+        </p:nvSpPr>
+        <p:spPr>
+          <a:xfrm>
+            <a:off x="1568323" y="3513820"/>
+            <a:ext cx="10055803" cy="461665"/>
+          </a:xfrm>
+          <a:prstGeom prst="rect">
+            <a:avLst/>
+          </a:prstGeom>
+          <a:noFill/>
+        </p:spPr>
+        <p:txBody>
+          <a:bodyPr wrap="square" rtlCol="0">
+            <a:spAutoFit/>
+          </a:bodyPr>
+          <a:lstStyle/>
+          <a:p>
+            <a:r>
+              <a:rPr lang="en-US" sz="2400" dirty="0" smtClean="0">
+                <a:latin typeface="Arial" panose="020B0604020202020204" pitchFamily="34" charset="0"/>
+                <a:cs typeface="Arial" panose="020B0604020202020204" pitchFamily="34" charset="0"/>
+              </a:rPr>
+              <a:t>Row-reverse										Column-reverse</a:t>
+            </a:r>
+            <a:endParaRPr lang="en-US" sz="2400" dirty="0">
+              <a:latin typeface="Arial" panose="020B0604020202020204" pitchFamily="34" charset="0"/>
+              <a:cs typeface="Arial" panose="020B0604020202020204" pitchFamily="34" charset="0"/>
+            </a:endParaRPr>
+          </a:p>
+        </p:txBody>
+      </p:sp>
       <p:pic>
         <p:nvPicPr>
-          <p:cNvPr id="7" name="Picture 6"/>
+          <p:cNvPr id="9" name="Picture 8"/>
           <p:cNvPicPr>
             <a:picLocks noChangeAspect="1"/>
           </p:cNvPicPr>
@@ -10437,24 +10795,54 @@
         </p:blipFill>
         <p:spPr>
           <a:xfrm>
-            <a:off x="947056" y="4711700"/>
-            <a:ext cx="5148944" cy="2146300"/>
+            <a:off x="1555624" y="3972052"/>
+            <a:ext cx="4845175" cy="2470953"/>
           </a:xfrm>
           <a:prstGeom prst="rect">
             <a:avLst/>
           </a:prstGeom>
         </p:spPr>
       </p:pic>
-      <p:sp>
-        <p:nvSpPr>
-          <p:cNvPr id="8" name="TextBox 7"/>
+      <p:pic>
+        <p:nvPicPr>
+          <p:cNvPr id="10" name="Picture 9"/>
+          <p:cNvPicPr>
+            <a:picLocks noChangeAspect="1"/>
+          </p:cNvPicPr>
+          <p:nvPr/>
+        </p:nvPicPr>
+        <p:blipFill>
+          <a:blip r:embed="rId5">
+            <a:extLst>
+              <a:ext uri="{28A0092B-C50C-407E-A947-70E740481C1C}">
+                <a14:useLocalDpi xmlns:a14="http://schemas.microsoft.com/office/drawing/2010/main" val="0"/>
+              </a:ext>
+            </a:extLst>
+          </a:blip>
+          <a:stretch>
+            <a:fillRect/>
+          </a:stretch>
+        </p:blipFill>
+        <p:spPr>
+          <a:xfrm>
+            <a:off x="6945085" y="3951837"/>
+            <a:ext cx="4717143" cy="2464618"/>
+          </a:xfrm>
+          <a:prstGeom prst="rect">
+            <a:avLst/>
+          </a:prstGeom>
+        </p:spPr>
+      </p:pic>
+      <p:sp>
+        <p:nvSpPr>
+          <p:cNvPr id="3" name="TextBox 2"/>
           <p:cNvSpPr txBox="1"/>
           <p:nvPr/>
         </p:nvSpPr>
         <p:spPr>
           <a:xfrm>
-            <a:off x="2197100" y="4279901"/>
-            <a:ext cx="2349500" cy="457200"/>
+            <a:off x="7556500" y="6396335"/>
+            <a:ext cx="4635500" cy="461665"/>
           </a:xfrm>
           <a:prstGeom prst="rect">
             <a:avLst/>
@@ -10468,51 +10856,11 @@
           <a:lstStyle/>
           <a:p>
             <a:r>
-              <a:rPr lang="en-US" sz="2400" dirty="0">
-                <a:latin typeface="Arial" panose="020B0604020202020204" pitchFamily="34" charset="0"/>
-                <a:cs typeface="Arial" panose="020B0604020202020204" pitchFamily="34" charset="0"/>
-              </a:rPr>
-              <a:t>wrap-reverse</a:t>
-            </a:r>
-            <a:r>
-              <a:rPr lang="en-US" dirty="0">
-                <a:latin typeface="Arial" panose="020B0604020202020204" pitchFamily="34" charset="0"/>
-                <a:cs typeface="Arial" panose="020B0604020202020204" pitchFamily="34" charset="0"/>
-              </a:rPr>
-              <a:t>	</a:t>
-            </a:r>
-            <a:endParaRPr lang="en-US" dirty="0"/>
-          </a:p>
-        </p:txBody>
-      </p:sp>
-      <p:sp>
-        <p:nvSpPr>
-          <p:cNvPr id="9" name="TextBox 8"/>
-          <p:cNvSpPr txBox="1"/>
-          <p:nvPr/>
-        </p:nvSpPr>
-        <p:spPr>
-          <a:xfrm>
-            <a:off x="8153400" y="6396335"/>
-            <a:ext cx="4445000" cy="461665"/>
-          </a:xfrm>
-          <a:prstGeom prst="rect">
-            <a:avLst/>
-          </a:prstGeom>
-          <a:noFill/>
-        </p:spPr>
-        <p:txBody>
-          <a:bodyPr wrap="square" rtlCol="0">
-            <a:spAutoFit/>
-          </a:bodyPr>
-          <a:lstStyle/>
-          <a:p>
-            <a:r>
               <a:rPr lang="en-US" sz="2400" dirty="0" smtClean="0">
                 <a:latin typeface="Arial" panose="020B0604020202020204" pitchFamily="34" charset="0"/>
                 <a:cs typeface="Arial" panose="020B0604020202020204" pitchFamily="34" charset="0"/>
               </a:rPr>
-              <a:t>Mahender Reddy Surkanti</a:t>
+              <a:t>Rethimareddy Polam</a:t>
             </a:r>
             <a:endParaRPr lang="en-US" sz="2400" dirty="0">
               <a:latin typeface="Arial" panose="020B0604020202020204" pitchFamily="34" charset="0"/>
@@ -10524,7 +10872,7 @@
     </p:spTree>
     <p:extLst>
       <p:ext uri="{BB962C8B-B14F-4D97-AF65-F5344CB8AC3E}">
-        <p14:creationId xmlns:p14="http://schemas.microsoft.com/office/powerpoint/2010/main" val="3783275940"/>
+        <p14:creationId xmlns:p14="http://schemas.microsoft.com/office/powerpoint/2010/main" val="3835872068"/>
       </p:ext>
     </p:extLst>
   </p:cSld>
@@ -10570,8 +10918,8 @@
         </p:nvSpPr>
         <p:spPr>
           <a:xfrm>
-            <a:off x="1558698" y="0"/>
-            <a:ext cx="3956731" cy="769257"/>
+            <a:off x="1567543" y="217708"/>
+            <a:ext cx="9791926" cy="682176"/>
           </a:xfrm>
         </p:spPr>
         <p:txBody>
@@ -10579,20 +10927,16 @@
           <a:lstStyle/>
           <a:p>
             <a:r>
-              <a:rPr lang="en-US" dirty="0">
-                <a:latin typeface="Arial" panose="020B0604020202020204" pitchFamily="34" charset="0"/>
-                <a:cs typeface="Arial" panose="020B0604020202020204" pitchFamily="34" charset="0"/>
-              </a:rPr>
-              <a:t>Justify </a:t>
-            </a:r>
-            <a:r>
               <a:rPr lang="en-US" dirty="0" smtClean="0">
                 <a:latin typeface="Arial" panose="020B0604020202020204" pitchFamily="34" charset="0"/>
                 <a:cs typeface="Arial" panose="020B0604020202020204" pitchFamily="34" charset="0"/>
               </a:rPr>
-              <a:t>contents:</a:t>
-            </a:r>
-            <a:endParaRPr lang="en-US" dirty="0"/>
+              <a:t>Flex-wrap</a:t>
+            </a:r>
+            <a:endParaRPr lang="en-US" dirty="0">
+              <a:latin typeface="Arial" panose="020B0604020202020204" pitchFamily="34" charset="0"/>
+              <a:cs typeface="Arial" panose="020B0604020202020204" pitchFamily="34" charset="0"/>
+            </a:endParaRPr>
           </a:p>
         </p:txBody>
       </p:sp>
@@ -10608,64 +10952,118 @@
         </p:nvSpPr>
         <p:spPr>
           <a:xfrm>
-            <a:off x="1364343" y="566057"/>
-            <a:ext cx="10140269" cy="5345165"/>
-          </a:xfrm>
-        </p:spPr>
-        <p:txBody>
-          <a:bodyPr/>
+            <a:off x="1436914" y="899885"/>
+            <a:ext cx="10755085" cy="5849257"/>
+          </a:xfrm>
+        </p:spPr>
+        <p:txBody>
+          <a:bodyPr>
+            <a:normAutofit/>
+          </a:bodyPr>
           <a:lstStyle/>
           <a:p>
-            <a:r>
-              <a:rPr lang="en-US" sz="2000" dirty="0" smtClean="0">
-                <a:latin typeface="Arial" panose="020B0604020202020204" pitchFamily="34" charset="0"/>
-                <a:cs typeface="Arial" panose="020B0604020202020204" pitchFamily="34" charset="0"/>
-              </a:rPr>
-              <a:t>flex-end										center	</a:t>
-            </a:r>
-          </a:p>
-          <a:p>
-            <a:endParaRPr lang="en-US" sz="2000" dirty="0">
+            <a:pPr marL="0" indent="0">
+              <a:buNone/>
+            </a:pPr>
+            <a:r>
+              <a:rPr lang="en-US" sz="2400" dirty="0">
+                <a:latin typeface="Arial" panose="020B0604020202020204" pitchFamily="34" charset="0"/>
+                <a:cs typeface="Arial" panose="020B0604020202020204" pitchFamily="34" charset="0"/>
+              </a:rPr>
+              <a:t>The flex-wrap property specifies whether the flex items should wrap or not</a:t>
+            </a:r>
+            <a:r>
+              <a:rPr lang="en-US" sz="2400" dirty="0" smtClean="0">
+                <a:latin typeface="Arial" panose="020B0604020202020204" pitchFamily="34" charset="0"/>
+                <a:cs typeface="Arial" panose="020B0604020202020204" pitchFamily="34" charset="0"/>
+              </a:rPr>
+              <a:t>.</a:t>
+            </a:r>
+            <a:endParaRPr lang="en-US" sz="2400" dirty="0">
               <a:latin typeface="Arial" panose="020B0604020202020204" pitchFamily="34" charset="0"/>
               <a:cs typeface="Arial" panose="020B0604020202020204" pitchFamily="34" charset="0"/>
             </a:endParaRPr>
           </a:p>
           <a:p>
-            <a:endParaRPr lang="en-US" sz="2000" dirty="0" smtClean="0">
+            <a:r>
+              <a:rPr lang="en-US" sz="2400" dirty="0" smtClean="0">
+                <a:latin typeface="Arial" panose="020B0604020202020204" pitchFamily="34" charset="0"/>
+                <a:cs typeface="Arial" panose="020B0604020202020204" pitchFamily="34" charset="0"/>
+              </a:rPr>
+              <a:t>a</a:t>
+            </a:r>
+            <a:r>
+              <a:rPr lang="en-US" sz="2400" dirty="0">
+                <a:latin typeface="Arial" panose="020B0604020202020204" pitchFamily="34" charset="0"/>
+                <a:cs typeface="Arial" panose="020B0604020202020204" pitchFamily="34" charset="0"/>
+              </a:rPr>
+              <a:t>. </a:t>
+            </a:r>
+            <a:r>
+              <a:rPr lang="en-US" sz="2400" dirty="0" smtClean="0">
+                <a:latin typeface="Arial" panose="020B0604020202020204" pitchFamily="34" charset="0"/>
+                <a:cs typeface="Arial" panose="020B0604020202020204" pitchFamily="34" charset="0"/>
+              </a:rPr>
+              <a:t>wrap                        						nowrap</a:t>
+            </a:r>
+          </a:p>
+          <a:p>
+            <a:pPr marL="0" indent="0">
+              <a:buNone/>
+            </a:pPr>
+            <a:endParaRPr lang="en-US" sz="2400" dirty="0" smtClean="0">
               <a:latin typeface="Arial" panose="020B0604020202020204" pitchFamily="34" charset="0"/>
               <a:cs typeface="Arial" panose="020B0604020202020204" pitchFamily="34" charset="0"/>
             </a:endParaRPr>
           </a:p>
           <a:p>
-            <a:endParaRPr lang="en-US" sz="2000" dirty="0">
+            <a:pPr marL="0" indent="0">
+              <a:buNone/>
+            </a:pPr>
+            <a:endParaRPr lang="en-US" sz="2400" dirty="0">
               <a:latin typeface="Arial" panose="020B0604020202020204" pitchFamily="34" charset="0"/>
               <a:cs typeface="Arial" panose="020B0604020202020204" pitchFamily="34" charset="0"/>
             </a:endParaRPr>
           </a:p>
           <a:p>
-            <a:endParaRPr lang="en-US" sz="2000" dirty="0" smtClean="0">
+            <a:pPr marL="0" indent="0">
+              <a:buNone/>
+            </a:pPr>
+            <a:endParaRPr lang="en-US" sz="2400" dirty="0" smtClean="0">
               <a:latin typeface="Arial" panose="020B0604020202020204" pitchFamily="34" charset="0"/>
               <a:cs typeface="Arial" panose="020B0604020202020204" pitchFamily="34" charset="0"/>
             </a:endParaRPr>
           </a:p>
           <a:p>
-            <a:pPr marL="0" indent="0">
+            <a:pPr marL="3657600" lvl="8" indent="0">
               <a:buNone/>
             </a:pPr>
-            <a:endParaRPr lang="en-US" sz="2000" dirty="0" smtClean="0">
+            <a:endParaRPr lang="en-US" sz="2400" dirty="0">
               <a:latin typeface="Arial" panose="020B0604020202020204" pitchFamily="34" charset="0"/>
               <a:cs typeface="Arial" panose="020B0604020202020204" pitchFamily="34" charset="0"/>
             </a:endParaRPr>
           </a:p>
           <a:p>
-            <a:r>
-              <a:rPr lang="en-US" sz="2000" dirty="0" smtClean="0">
-                <a:latin typeface="Arial" panose="020B0604020202020204" pitchFamily="34" charset="0"/>
-                <a:cs typeface="Arial" panose="020B0604020202020204" pitchFamily="34" charset="0"/>
-              </a:rPr>
-              <a:t>	space-around								space-between</a:t>
-            </a:r>
-            <a:endParaRPr lang="en-US" sz="2000" dirty="0">
+            <a:pPr marL="3657600" lvl="8" indent="0">
+              <a:buNone/>
+            </a:pPr>
+            <a:endParaRPr lang="en-US" sz="2400" dirty="0" smtClean="0">
+              <a:latin typeface="Arial" panose="020B0604020202020204" pitchFamily="34" charset="0"/>
+              <a:cs typeface="Arial" panose="020B0604020202020204" pitchFamily="34" charset="0"/>
+            </a:endParaRPr>
+          </a:p>
+          <a:p>
+            <a:pPr marL="3657600" lvl="8" indent="0">
+              <a:buNone/>
+            </a:pPr>
+            <a:r>
+              <a:rPr lang="en-US" sz="1800" dirty="0" smtClean="0">
+                <a:latin typeface="Arial" panose="020B0604020202020204" pitchFamily="34" charset="0"/>
+                <a:cs typeface="Arial" panose="020B0604020202020204" pitchFamily="34" charset="0"/>
+              </a:rPr>
+              <a:t>								</a:t>
+            </a:r>
+            <a:endParaRPr lang="en-US" sz="1800" dirty="0">
               <a:latin typeface="Arial" panose="020B0604020202020204" pitchFamily="34" charset="0"/>
               <a:cs typeface="Arial" panose="020B0604020202020204" pitchFamily="34" charset="0"/>
             </a:endParaRPr>
@@ -10694,8 +11092,8 @@
         </p:blipFill>
         <p:spPr>
           <a:xfrm>
-            <a:off x="595086" y="954313"/>
-            <a:ext cx="4920343" cy="2284326"/>
+            <a:off x="986971" y="1857829"/>
+            <a:ext cx="5113112" cy="2129971"/>
           </a:xfrm>
           <a:prstGeom prst="rect">
             <a:avLst/>
@@ -10724,14 +11122,90 @@
         </p:blipFill>
         <p:spPr>
           <a:xfrm>
-            <a:off x="5979886" y="954313"/>
-            <a:ext cx="5660571" cy="2284326"/>
+            <a:off x="6463506" y="1857829"/>
+            <a:ext cx="5365070" cy="2383973"/>
           </a:xfrm>
           <a:prstGeom prst="rect">
             <a:avLst/>
           </a:prstGeom>
         </p:spPr>
       </p:pic>
+      <p:sp>
+        <p:nvSpPr>
+          <p:cNvPr id="8" name="TextBox 7"/>
+          <p:cNvSpPr txBox="1"/>
+          <p:nvPr/>
+        </p:nvSpPr>
+        <p:spPr>
+          <a:xfrm>
+            <a:off x="2197100" y="3975484"/>
+            <a:ext cx="2349500" cy="457200"/>
+          </a:xfrm>
+          <a:prstGeom prst="rect">
+            <a:avLst/>
+          </a:prstGeom>
+          <a:noFill/>
+        </p:spPr>
+        <p:txBody>
+          <a:bodyPr wrap="square" rtlCol="0">
+            <a:spAutoFit/>
+          </a:bodyPr>
+          <a:lstStyle/>
+          <a:p>
+            <a:r>
+              <a:rPr lang="en-US" sz="2400" dirty="0">
+                <a:latin typeface="Arial" panose="020B0604020202020204" pitchFamily="34" charset="0"/>
+                <a:cs typeface="Arial" panose="020B0604020202020204" pitchFamily="34" charset="0"/>
+              </a:rPr>
+              <a:t>wrap-reverse</a:t>
+            </a:r>
+            <a:r>
+              <a:rPr lang="en-US" dirty="0">
+                <a:latin typeface="Arial" panose="020B0604020202020204" pitchFamily="34" charset="0"/>
+                <a:cs typeface="Arial" panose="020B0604020202020204" pitchFamily="34" charset="0"/>
+              </a:rPr>
+              <a:t>	</a:t>
+            </a:r>
+            <a:endParaRPr lang="en-US" dirty="0"/>
+          </a:p>
+        </p:txBody>
+      </p:sp>
+      <p:sp>
+        <p:nvSpPr>
+          <p:cNvPr id="9" name="TextBox 8"/>
+          <p:cNvSpPr txBox="1"/>
+          <p:nvPr/>
+        </p:nvSpPr>
+        <p:spPr>
+          <a:xfrm>
+            <a:off x="8153400" y="6396335"/>
+            <a:ext cx="4445000" cy="461665"/>
+          </a:xfrm>
+          <a:prstGeom prst="rect">
+            <a:avLst/>
+          </a:prstGeom>
+          <a:noFill/>
+        </p:spPr>
+        <p:txBody>
+          <a:bodyPr wrap="square" rtlCol="0">
+            <a:spAutoFit/>
+          </a:bodyPr>
+          <a:lstStyle/>
+          <a:p>
+            <a:r>
+              <a:rPr lang="en-US" sz="2400" dirty="0" smtClean="0">
+                <a:latin typeface="Arial" panose="020B0604020202020204" pitchFamily="34" charset="0"/>
+                <a:cs typeface="Arial" panose="020B0604020202020204" pitchFamily="34" charset="0"/>
+              </a:rPr>
+              <a:t>Mahender Reddy Surkanti</a:t>
+            </a:r>
+            <a:endParaRPr lang="en-US" sz="2400" dirty="0">
+              <a:latin typeface="Arial" panose="020B0604020202020204" pitchFamily="34" charset="0"/>
+              <a:cs typeface="Arial" panose="020B0604020202020204" pitchFamily="34" charset="0"/>
+            </a:endParaRPr>
+          </a:p>
+        </p:txBody>
+      </p:sp>
       <p:pic>
         <p:nvPicPr>
           <p:cNvPr id="6" name="Picture 5"/>
@@ -10754,84 +11228,18 @@
         </p:blipFill>
         <p:spPr>
           <a:xfrm>
-            <a:off x="583974" y="3580945"/>
-            <a:ext cx="4920343" cy="2747108"/>
+            <a:off x="875506" y="4432684"/>
+            <a:ext cx="5588000" cy="2335508"/>
           </a:xfrm>
           <a:prstGeom prst="rect">
             <a:avLst/>
           </a:prstGeom>
         </p:spPr>
       </p:pic>
-      <p:pic>
-        <p:nvPicPr>
-          <p:cNvPr id="7" name="Picture 6"/>
-          <p:cNvPicPr>
-            <a:picLocks noChangeAspect="1"/>
-          </p:cNvPicPr>
-          <p:nvPr/>
-        </p:nvPicPr>
-        <p:blipFill>
-          <a:blip r:embed="rId5">
-            <a:extLst>
-              <a:ext uri="{28A0092B-C50C-407E-A947-70E740481C1C}">
-                <a14:useLocalDpi xmlns:a14="http://schemas.microsoft.com/office/drawing/2010/main" val="0"/>
-              </a:ext>
-            </a:extLst>
-          </a:blip>
-          <a:stretch>
-            <a:fillRect/>
-          </a:stretch>
-        </p:blipFill>
-        <p:spPr>
-          <a:xfrm>
-            <a:off x="5979886" y="3626895"/>
-            <a:ext cx="5660571" cy="2672583"/>
-          </a:xfrm>
-          <a:prstGeom prst="rect">
-            <a:avLst/>
-          </a:prstGeom>
-        </p:spPr>
-      </p:pic>
-      <p:sp>
-        <p:nvSpPr>
-          <p:cNvPr id="8" name="TextBox 7"/>
-          <p:cNvSpPr txBox="1"/>
-          <p:nvPr/>
-        </p:nvSpPr>
-        <p:spPr>
-          <a:xfrm>
-            <a:off x="8191500" y="6375400"/>
-            <a:ext cx="4000500" cy="461665"/>
-          </a:xfrm>
-          <a:prstGeom prst="rect">
-            <a:avLst/>
-          </a:prstGeom>
-          <a:noFill/>
-        </p:spPr>
-        <p:txBody>
-          <a:bodyPr wrap="square" rtlCol="0">
-            <a:spAutoFit/>
-          </a:bodyPr>
-          <a:lstStyle/>
-          <a:p>
-            <a:r>
-              <a:rPr lang="en-US" sz="2400" dirty="0" smtClean="0">
-                <a:latin typeface="Arial" panose="020B0604020202020204" pitchFamily="34" charset="0"/>
-                <a:cs typeface="Arial" panose="020B0604020202020204" pitchFamily="34" charset="0"/>
-              </a:rPr>
-              <a:t>Mahender Reddy Surkanti</a:t>
-            </a:r>
-            <a:endParaRPr lang="en-US" sz="2400" dirty="0">
-              <a:latin typeface="Arial" panose="020B0604020202020204" pitchFamily="34" charset="0"/>
-              <a:cs typeface="Arial" panose="020B0604020202020204" pitchFamily="34" charset="0"/>
-            </a:endParaRPr>
-          </a:p>
-        </p:txBody>
-      </p:sp>
     </p:spTree>
     <p:extLst>
       <p:ext uri="{BB962C8B-B14F-4D97-AF65-F5344CB8AC3E}">
-        <p14:creationId xmlns:p14="http://schemas.microsoft.com/office/powerpoint/2010/main" val="1916714755"/>
+        <p14:creationId xmlns:p14="http://schemas.microsoft.com/office/powerpoint/2010/main" val="3783275940"/>
       </p:ext>
     </p:extLst>
   </p:cSld>
@@ -10867,6 +11275,44 @@
       </p:grpSpPr>
       <p:sp>
         <p:nvSpPr>
+          <p:cNvPr id="2" name="Title 1"/>
+          <p:cNvSpPr>
+            <a:spLocks noGrp="1"/>
+          </p:cNvSpPr>
+          <p:nvPr>
+            <p:ph type="title"/>
+          </p:nvPr>
+        </p:nvSpPr>
+        <p:spPr>
+          <a:xfrm>
+            <a:off x="1558698" y="0"/>
+            <a:ext cx="3956731" cy="769257"/>
+          </a:xfrm>
+        </p:spPr>
+        <p:txBody>
+          <a:bodyPr/>
+          <a:lstStyle/>
+          <a:p>
+            <a:r>
+              <a:rPr lang="en-US" dirty="0">
+                <a:latin typeface="Arial" panose="020B0604020202020204" pitchFamily="34" charset="0"/>
+                <a:cs typeface="Arial" panose="020B0604020202020204" pitchFamily="34" charset="0"/>
+              </a:rPr>
+              <a:t>Justify </a:t>
+            </a:r>
+            <a:r>
+              <a:rPr lang="en-US" dirty="0" smtClean="0">
+                <a:latin typeface="Arial" panose="020B0604020202020204" pitchFamily="34" charset="0"/>
+                <a:cs typeface="Arial" panose="020B0604020202020204" pitchFamily="34" charset="0"/>
+              </a:rPr>
+              <a:t>contents:</a:t>
+            </a:r>
+            <a:endParaRPr lang="en-US" dirty="0"/>
+          </a:p>
+        </p:txBody>
+      </p:sp>
+      <p:sp>
+        <p:nvSpPr>
           <p:cNvPr id="3" name="Content Placeholder 2"/>
           <p:cNvSpPr>
             <a:spLocks noGrp="1"/>
@@ -10877,160 +11323,243 @@
         </p:nvSpPr>
         <p:spPr>
           <a:xfrm>
-            <a:off x="2137718" y="943428"/>
-            <a:ext cx="10054281" cy="5914571"/>
-          </a:xfrm>
-        </p:spPr>
-        <p:txBody>
-          <a:bodyPr>
-            <a:normAutofit/>
+            <a:off x="1364343" y="566057"/>
+            <a:ext cx="10140269" cy="5345165"/>
+          </a:xfrm>
+        </p:spPr>
+        <p:txBody>
+          <a:bodyPr/>
+          <a:lstStyle/>
+          <a:p>
+            <a:r>
+              <a:rPr lang="en-US" sz="2000" dirty="0" smtClean="0">
+                <a:latin typeface="Arial" panose="020B0604020202020204" pitchFamily="34" charset="0"/>
+                <a:cs typeface="Arial" panose="020B0604020202020204" pitchFamily="34" charset="0"/>
+              </a:rPr>
+              <a:t>flex-end										center	</a:t>
+            </a:r>
+          </a:p>
+          <a:p>
+            <a:endParaRPr lang="en-US" sz="2000" dirty="0">
+              <a:latin typeface="Arial" panose="020B0604020202020204" pitchFamily="34" charset="0"/>
+              <a:cs typeface="Arial" panose="020B0604020202020204" pitchFamily="34" charset="0"/>
+            </a:endParaRPr>
+          </a:p>
+          <a:p>
+            <a:endParaRPr lang="en-US" sz="2000" dirty="0" smtClean="0">
+              <a:latin typeface="Arial" panose="020B0604020202020204" pitchFamily="34" charset="0"/>
+              <a:cs typeface="Arial" panose="020B0604020202020204" pitchFamily="34" charset="0"/>
+            </a:endParaRPr>
+          </a:p>
+          <a:p>
+            <a:endParaRPr lang="en-US" sz="2000" dirty="0">
+              <a:latin typeface="Arial" panose="020B0604020202020204" pitchFamily="34" charset="0"/>
+              <a:cs typeface="Arial" panose="020B0604020202020204" pitchFamily="34" charset="0"/>
+            </a:endParaRPr>
+          </a:p>
+          <a:p>
+            <a:endParaRPr lang="en-US" sz="2000" dirty="0" smtClean="0">
+              <a:latin typeface="Arial" panose="020B0604020202020204" pitchFamily="34" charset="0"/>
+              <a:cs typeface="Arial" panose="020B0604020202020204" pitchFamily="34" charset="0"/>
+            </a:endParaRPr>
+          </a:p>
+          <a:p>
+            <a:pPr marL="0" indent="0">
+              <a:buNone/>
+            </a:pPr>
+            <a:endParaRPr lang="en-US" sz="2000" dirty="0" smtClean="0">
+              <a:latin typeface="Arial" panose="020B0604020202020204" pitchFamily="34" charset="0"/>
+              <a:cs typeface="Arial" panose="020B0604020202020204" pitchFamily="34" charset="0"/>
+            </a:endParaRPr>
+          </a:p>
+          <a:p>
+            <a:r>
+              <a:rPr lang="en-US" sz="2000" dirty="0" smtClean="0">
+                <a:latin typeface="Arial" panose="020B0604020202020204" pitchFamily="34" charset="0"/>
+                <a:cs typeface="Arial" panose="020B0604020202020204" pitchFamily="34" charset="0"/>
+              </a:rPr>
+              <a:t>	space-around								space-between</a:t>
+            </a:r>
+            <a:endParaRPr lang="en-US" sz="2000" dirty="0">
+              <a:latin typeface="Arial" panose="020B0604020202020204" pitchFamily="34" charset="0"/>
+              <a:cs typeface="Arial" panose="020B0604020202020204" pitchFamily="34" charset="0"/>
+            </a:endParaRPr>
+          </a:p>
+        </p:txBody>
+      </p:sp>
+      <p:pic>
+        <p:nvPicPr>
+          <p:cNvPr id="4" name="Picture 3"/>
+          <p:cNvPicPr>
+            <a:picLocks noChangeAspect="1"/>
+          </p:cNvPicPr>
+          <p:nvPr/>
+        </p:nvPicPr>
+        <p:blipFill>
+          <a:blip r:embed="rId2">
+            <a:extLst>
+              <a:ext uri="{28A0092B-C50C-407E-A947-70E740481C1C}">
+                <a14:useLocalDpi xmlns:a14="http://schemas.microsoft.com/office/drawing/2010/main" val="0"/>
+              </a:ext>
+            </a:extLst>
+          </a:blip>
+          <a:stretch>
+            <a:fillRect/>
+          </a:stretch>
+        </p:blipFill>
+        <p:spPr>
+          <a:xfrm>
+            <a:off x="595086" y="954313"/>
+            <a:ext cx="4920343" cy="2284326"/>
+          </a:xfrm>
+          <a:prstGeom prst="rect">
+            <a:avLst/>
+          </a:prstGeom>
+        </p:spPr>
+      </p:pic>
+      <p:pic>
+        <p:nvPicPr>
+          <p:cNvPr id="5" name="Picture 4"/>
+          <p:cNvPicPr>
+            <a:picLocks noChangeAspect="1"/>
+          </p:cNvPicPr>
+          <p:nvPr/>
+        </p:nvPicPr>
+        <p:blipFill>
+          <a:blip r:embed="rId3">
+            <a:extLst>
+              <a:ext uri="{28A0092B-C50C-407E-A947-70E740481C1C}">
+                <a14:useLocalDpi xmlns:a14="http://schemas.microsoft.com/office/drawing/2010/main" val="0"/>
+              </a:ext>
+            </a:extLst>
+          </a:blip>
+          <a:stretch>
+            <a:fillRect/>
+          </a:stretch>
+        </p:blipFill>
+        <p:spPr>
+          <a:xfrm>
+            <a:off x="5979886" y="954313"/>
+            <a:ext cx="5660571" cy="2284326"/>
+          </a:xfrm>
+          <a:prstGeom prst="rect">
+            <a:avLst/>
+          </a:prstGeom>
+        </p:spPr>
+      </p:pic>
+      <p:pic>
+        <p:nvPicPr>
+          <p:cNvPr id="6" name="Picture 5"/>
+          <p:cNvPicPr>
+            <a:picLocks noChangeAspect="1"/>
+          </p:cNvPicPr>
+          <p:nvPr/>
+        </p:nvPicPr>
+        <p:blipFill>
+          <a:blip r:embed="rId4">
+            <a:extLst>
+              <a:ext uri="{28A0092B-C50C-407E-A947-70E740481C1C}">
+                <a14:useLocalDpi xmlns:a14="http://schemas.microsoft.com/office/drawing/2010/main" val="0"/>
+              </a:ext>
+            </a:extLst>
+          </a:blip>
+          <a:stretch>
+            <a:fillRect/>
+          </a:stretch>
+        </p:blipFill>
+        <p:spPr>
+          <a:xfrm>
+            <a:off x="583974" y="3580945"/>
+            <a:ext cx="4920343" cy="2747108"/>
+          </a:xfrm>
+          <a:prstGeom prst="rect">
+            <a:avLst/>
+          </a:prstGeom>
+        </p:spPr>
+      </p:pic>
+      <p:pic>
+        <p:nvPicPr>
+          <p:cNvPr id="7" name="Picture 6"/>
+          <p:cNvPicPr>
+            <a:picLocks noChangeAspect="1"/>
+          </p:cNvPicPr>
+          <p:nvPr/>
+        </p:nvPicPr>
+        <p:blipFill>
+          <a:blip r:embed="rId5">
+            <a:extLst>
+              <a:ext uri="{28A0092B-C50C-407E-A947-70E740481C1C}">
+                <a14:useLocalDpi xmlns:a14="http://schemas.microsoft.com/office/drawing/2010/main" val="0"/>
+              </a:ext>
+            </a:extLst>
+          </a:blip>
+          <a:stretch>
+            <a:fillRect/>
+          </a:stretch>
+        </p:blipFill>
+        <p:spPr>
+          <a:xfrm>
+            <a:off x="5979886" y="3626895"/>
+            <a:ext cx="5660571" cy="2672583"/>
+          </a:xfrm>
+          <a:prstGeom prst="rect">
+            <a:avLst/>
+          </a:prstGeom>
+        </p:spPr>
+      </p:pic>
+      <p:sp>
+        <p:nvSpPr>
+          <p:cNvPr id="8" name="TextBox 7"/>
+          <p:cNvSpPr txBox="1"/>
+          <p:nvPr/>
+        </p:nvSpPr>
+        <p:spPr>
+          <a:xfrm>
+            <a:off x="8191500" y="6375400"/>
+            <a:ext cx="4000500" cy="461665"/>
+          </a:xfrm>
+          <a:prstGeom prst="rect">
+            <a:avLst/>
+          </a:prstGeom>
+          <a:noFill/>
+        </p:spPr>
+        <p:txBody>
+          <a:bodyPr wrap="square" rtlCol="0">
+            <a:spAutoFit/>
           </a:bodyPr>
           <a:lstStyle/>
           <a:p>
-            <a:pPr marL="0" indent="0">
-              <a:buNone/>
-            </a:pPr>
             <a:r>
               <a:rPr lang="en-US" sz="2400" dirty="0" smtClean="0">
                 <a:latin typeface="Arial" panose="020B0604020202020204" pitchFamily="34" charset="0"/>
                 <a:cs typeface="Arial" panose="020B0604020202020204" pitchFamily="34" charset="0"/>
               </a:rPr>
-              <a:t>Few other properties are defined below:</a:t>
-            </a:r>
-          </a:p>
-          <a:p>
-            <a:r>
-              <a:rPr lang="en-US" sz="2400" dirty="0" smtClean="0">
-                <a:latin typeface="Arial" panose="020B0604020202020204" pitchFamily="34" charset="0"/>
-                <a:cs typeface="Arial" panose="020B0604020202020204" pitchFamily="34" charset="0"/>
-              </a:rPr>
-              <a:t>align-items</a:t>
-            </a:r>
-          </a:p>
-          <a:p>
-            <a:pPr marL="0" indent="0">
-              <a:buNone/>
-            </a:pPr>
-            <a:r>
-              <a:rPr lang="en-US" sz="2400" b="1" dirty="0" smtClean="0">
-                <a:latin typeface="Arial" panose="020B0604020202020204" pitchFamily="34" charset="0"/>
-                <a:cs typeface="Arial" panose="020B0604020202020204" pitchFamily="34" charset="0"/>
-              </a:rPr>
-              <a:t>Note</a:t>
-            </a:r>
-            <a:r>
-              <a:rPr lang="en-US" sz="2400" b="1" dirty="0">
-                <a:latin typeface="Arial" panose="020B0604020202020204" pitchFamily="34" charset="0"/>
-                <a:cs typeface="Arial" panose="020B0604020202020204" pitchFamily="34" charset="0"/>
-              </a:rPr>
-              <a:t>: </a:t>
-            </a:r>
-            <a:r>
-              <a:rPr lang="en-US" sz="2400" dirty="0">
-                <a:latin typeface="Arial" panose="020B0604020202020204" pitchFamily="34" charset="0"/>
-                <a:cs typeface="Arial" panose="020B0604020202020204" pitchFamily="34" charset="0"/>
-              </a:rPr>
-              <a:t>The difference between the flex-start and flex-end in justify-content and align-items is that justify-content will make adjustments column wise and align-items makes row wise.</a:t>
-            </a:r>
-          </a:p>
-          <a:p>
-            <a:r>
-              <a:rPr lang="en-US" sz="2400" dirty="0" smtClean="0">
-                <a:latin typeface="Arial" panose="020B0604020202020204" pitchFamily="34" charset="0"/>
-                <a:cs typeface="Arial" panose="020B0604020202020204" pitchFamily="34" charset="0"/>
-              </a:rPr>
-              <a:t>align-contents</a:t>
-            </a:r>
-          </a:p>
-          <a:p>
-            <a:r>
-              <a:rPr lang="en-US" sz="2400" dirty="0" smtClean="0">
-                <a:latin typeface="Arial" panose="020B0604020202020204" pitchFamily="34" charset="0"/>
-                <a:cs typeface="Arial" panose="020B0604020202020204" pitchFamily="34" charset="0"/>
-              </a:rPr>
-              <a:t>Flex</a:t>
-            </a:r>
-          </a:p>
-          <a:p>
-            <a:r>
-              <a:rPr lang="en-US" sz="2400" dirty="0" smtClean="0">
-                <a:latin typeface="Arial" panose="020B0604020202020204" pitchFamily="34" charset="0"/>
-                <a:cs typeface="Arial" panose="020B0604020202020204" pitchFamily="34" charset="0"/>
-              </a:rPr>
-              <a:t>flex-grow</a:t>
+              <a:t>Mahender Reddy Surkanti</a:t>
             </a:r>
             <a:endParaRPr lang="en-US" sz="2400" dirty="0">
               <a:latin typeface="Arial" panose="020B0604020202020204" pitchFamily="34" charset="0"/>
               <a:cs typeface="Arial" panose="020B0604020202020204" pitchFamily="34" charset="0"/>
             </a:endParaRPr>
           </a:p>
-          <a:p>
-            <a:r>
-              <a:rPr lang="en-US" sz="2400" dirty="0" smtClean="0">
-                <a:latin typeface="Arial" panose="020B0604020202020204" pitchFamily="34" charset="0"/>
-                <a:cs typeface="Arial" panose="020B0604020202020204" pitchFamily="34" charset="0"/>
-              </a:rPr>
-              <a:t>flex-shrink</a:t>
-            </a:r>
-            <a:endParaRPr lang="en-US" sz="2400" dirty="0" smtClean="0">
-              <a:latin typeface="Arial" panose="020B0604020202020204" pitchFamily="34" charset="0"/>
-              <a:cs typeface="Arial" panose="020B0604020202020204" pitchFamily="34" charset="0"/>
-            </a:endParaRPr>
-          </a:p>
-          <a:p>
-            <a:endParaRPr lang="en-US" sz="2400" dirty="0">
-              <a:latin typeface="Arial" panose="020B0604020202020204" pitchFamily="34" charset="0"/>
-              <a:cs typeface="Arial" panose="020B0604020202020204" pitchFamily="34" charset="0"/>
-            </a:endParaRPr>
-          </a:p>
-        </p:txBody>
-      </p:sp>
-      <p:sp>
-        <p:nvSpPr>
-          <p:cNvPr id="2" name="TextBox 1"/>
-          <p:cNvSpPr txBox="1"/>
-          <p:nvPr/>
-        </p:nvSpPr>
-        <p:spPr>
-          <a:xfrm>
-            <a:off x="8267700" y="6396335"/>
-            <a:ext cx="3924300" cy="461665"/>
-          </a:xfrm>
-          <a:prstGeom prst="rect">
-            <a:avLst/>
-          </a:prstGeom>
-          <a:noFill/>
-        </p:spPr>
-        <p:txBody>
-          <a:bodyPr wrap="square" rtlCol="0">
-            <a:spAutoFit/>
-          </a:bodyPr>
-          <a:lstStyle/>
-          <a:p>
-            <a:r>
-              <a:rPr lang="en-US" sz="2400" dirty="0" smtClean="0">
-                <a:latin typeface="Arial" panose="020B0604020202020204" pitchFamily="34" charset="0"/>
-                <a:cs typeface="Arial" panose="020B0604020202020204" pitchFamily="34" charset="0"/>
-              </a:rPr>
-              <a:t>Mahender Reddy Surkanti</a:t>
-            </a:r>
-            <a:endParaRPr lang="en-US" sz="2400" dirty="0">
-              <a:latin typeface="Arial" panose="020B0604020202020204" pitchFamily="34" charset="0"/>
-              <a:cs typeface="Arial" panose="020B0604020202020204" pitchFamily="34" charset="0"/>
-            </a:endParaRPr>
-          </a:p>
         </p:txBody>
       </p:sp>
     </p:spTree>
     <p:extLst>
       <p:ext uri="{BB962C8B-B14F-4D97-AF65-F5344CB8AC3E}">
-        <p14:creationId xmlns:p14="http://schemas.microsoft.com/office/powerpoint/2010/main" val="2072203443"/>
+        <p14:creationId xmlns:p14="http://schemas.microsoft.com/office/powerpoint/2010/main" val="1916714755"/>
       </p:ext>
     </p:extLst>
   </p:cSld>
   <p:clrMapOvr>
     <a:masterClrMapping/>
   </p:clrMapOvr>
+  <p:timing>
+    <p:tnLst>
+      <p:par>
+        <p:cTn id="1" dur="indefinite" restart="never" nodeType="tmRoot"/>
+      </p:par>
+    </p:tnLst>
+  </p:timing>
 </p:sld>
 </file>
 

--- a/docs/Flexbox_Grid.pptx
+++ b/docs/Flexbox_Grid.pptx
@@ -7706,14 +7706,7 @@
                 <a:latin typeface="Arial" panose="020B0604020202020204" pitchFamily="34" charset="0"/>
                 <a:cs typeface="Arial" panose="020B0604020202020204" pitchFamily="34" charset="0"/>
               </a:rPr>
-              <a:t>Group </a:t>
-            </a:r>
-            <a:r>
-              <a:rPr lang="en-US" b="1" dirty="0" smtClean="0">
-                <a:latin typeface="Arial" panose="020B0604020202020204" pitchFamily="34" charset="0"/>
-                <a:cs typeface="Arial" panose="020B0604020202020204" pitchFamily="34" charset="0"/>
-              </a:rPr>
-              <a:t>No : 2</a:t>
+              <a:t>Group No : 2</a:t>
             </a:r>
             <a:br>
               <a:rPr lang="en-US" b="1" dirty="0" smtClean="0">
@@ -7927,14 +7920,7 @@
                 <a:latin typeface="Arial" panose="020B0604020202020204" pitchFamily="34" charset="0"/>
                 <a:cs typeface="Arial" panose="020B0604020202020204" pitchFamily="34" charset="0"/>
               </a:rPr>
-              <a:t>A</a:t>
-            </a:r>
-            <a:r>
-              <a:rPr lang="en-US" sz="3600" b="1" dirty="0" smtClean="0">
-                <a:latin typeface="Arial" panose="020B0604020202020204" pitchFamily="34" charset="0"/>
-                <a:cs typeface="Arial" panose="020B0604020202020204" pitchFamily="34" charset="0"/>
-              </a:rPr>
-              <a:t>lign-items</a:t>
+              <a:t>Align-items</a:t>
             </a:r>
           </a:p>
           <a:p>
@@ -8562,7 +8548,7 @@
         </p:spPr>
         <p:txBody>
           <a:bodyPr>
-            <a:normAutofit lnSpcReduction="10000"/>
+            <a:normAutofit/>
           </a:bodyPr>
           <a:lstStyle/>
           <a:p>
@@ -8619,28 +8605,40 @@
                 <a:latin typeface="Arial" panose="020B0604020202020204" pitchFamily="34" charset="0"/>
                 <a:cs typeface="Arial" panose="020B0604020202020204" pitchFamily="34" charset="0"/>
               </a:rPr>
-              <a:t>Grid Templates:</a:t>
-            </a:r>
+              <a:t>Grid </a:t>
+            </a:r>
+            <a:r>
+              <a:rPr lang="en-US" sz="2600" b="1" dirty="0" err="1" smtClean="0">
+                <a:latin typeface="Arial" panose="020B0604020202020204" pitchFamily="34" charset="0"/>
+                <a:cs typeface="Arial" panose="020B0604020202020204" pitchFamily="34" charset="0"/>
+              </a:rPr>
+              <a:t>properities</a:t>
+            </a:r>
+            <a:r>
+              <a:rPr lang="en-US" sz="2600" b="1" dirty="0" smtClean="0">
+                <a:latin typeface="Arial" panose="020B0604020202020204" pitchFamily="34" charset="0"/>
+                <a:cs typeface="Arial" panose="020B0604020202020204" pitchFamily="34" charset="0"/>
+              </a:rPr>
+              <a:t>:</a:t>
+            </a:r>
+            <a:endParaRPr lang="en-US" sz="2600" b="1" dirty="0" smtClean="0">
+              <a:latin typeface="Arial" panose="020B0604020202020204" pitchFamily="34" charset="0"/>
+              <a:cs typeface="Arial" panose="020B0604020202020204" pitchFamily="34" charset="0"/>
+            </a:endParaRPr>
           </a:p>
           <a:p>
             <a:pPr algn="just"/>
             <a:r>
-              <a:rPr lang="en-US" sz="2600" dirty="0">
-                <a:latin typeface="Arial" panose="020B0604020202020204" pitchFamily="34" charset="0"/>
-                <a:cs typeface="Arial" panose="020B0604020202020204" pitchFamily="34" charset="0"/>
-              </a:rPr>
-              <a:t>Grid Columns</a:t>
-            </a:r>
-          </a:p>
-          <a:p>
-            <a:pPr algn="just"/>
-            <a:r>
-              <a:rPr lang="en-US" sz="2600" dirty="0">
-                <a:latin typeface="Arial" panose="020B0604020202020204" pitchFamily="34" charset="0"/>
-                <a:cs typeface="Arial" panose="020B0604020202020204" pitchFamily="34" charset="0"/>
-              </a:rPr>
-              <a:t>Grid rows</a:t>
-            </a:r>
+              <a:rPr lang="en-US" sz="2600" smtClean="0">
+                <a:latin typeface="Arial" panose="020B0604020202020204" pitchFamily="34" charset="0"/>
+                <a:cs typeface="Arial" panose="020B0604020202020204" pitchFamily="34" charset="0"/>
+              </a:rPr>
+              <a:t>Grid Templates</a:t>
+            </a:r>
+            <a:endParaRPr lang="en-US" sz="2600" dirty="0">
+              <a:latin typeface="Arial" panose="020B0604020202020204" pitchFamily="34" charset="0"/>
+              <a:cs typeface="Arial" panose="020B0604020202020204" pitchFamily="34" charset="0"/>
+            </a:endParaRPr>
           </a:p>
           <a:p>
             <a:pPr algn="just"/>
@@ -10134,14 +10132,7 @@
                 <a:latin typeface="Arial" panose="020B0604020202020204" pitchFamily="34" charset="0"/>
                 <a:cs typeface="Arial" panose="020B0604020202020204" pitchFamily="34" charset="0"/>
               </a:rPr>
-              <a:t>a web page looks </a:t>
-            </a:r>
-            <a:r>
-              <a:rPr lang="en-US" sz="2400" dirty="0" smtClean="0">
-                <a:latin typeface="Arial" panose="020B0604020202020204" pitchFamily="34" charset="0"/>
-                <a:cs typeface="Arial" panose="020B0604020202020204" pitchFamily="34" charset="0"/>
-              </a:rPr>
-              <a:t>like, its </a:t>
+              <a:t>a web page looks like, its </a:t>
             </a:r>
             <a:r>
               <a:rPr lang="en-US" sz="2400" dirty="0">
@@ -10356,14 +10347,7 @@
                 <a:latin typeface="Arial" panose="020B0604020202020204" pitchFamily="34" charset="0"/>
                 <a:cs typeface="Arial" panose="020B0604020202020204" pitchFamily="34" charset="0"/>
               </a:rPr>
-              <a:t>Properties </a:t>
-            </a:r>
-            <a:r>
-              <a:rPr lang="en-US" dirty="0" smtClean="0">
-                <a:latin typeface="Arial" panose="020B0604020202020204" pitchFamily="34" charset="0"/>
-                <a:cs typeface="Arial" panose="020B0604020202020204" pitchFamily="34" charset="0"/>
-              </a:rPr>
-              <a:t>of FlexBox</a:t>
+              <a:t>Properties of FlexBox</a:t>
             </a:r>
             <a:endParaRPr lang="en-US" dirty="0">
               <a:latin typeface="Arial" panose="020B0604020202020204" pitchFamily="34" charset="0"/>
@@ -10477,14 +10461,7 @@
                 <a:latin typeface="Arial" panose="020B0604020202020204" pitchFamily="34" charset="0"/>
                 <a:cs typeface="Arial" panose="020B0604020202020204" pitchFamily="34" charset="0"/>
               </a:rPr>
-              <a:t>. </a:t>
-            </a:r>
-            <a:r>
-              <a:rPr lang="en-US" sz="2000" dirty="0" smtClean="0">
-                <a:latin typeface="Arial" panose="020B0604020202020204" pitchFamily="34" charset="0"/>
-                <a:cs typeface="Arial" panose="020B0604020202020204" pitchFamily="34" charset="0"/>
-              </a:rPr>
-              <a:t>flex-shrink</a:t>
+              <a:t>. flex-shrink</a:t>
             </a:r>
             <a:endParaRPr lang="en-US" sz="2000" dirty="0">
               <a:latin typeface="Arial" panose="020B0604020202020204" pitchFamily="34" charset="0"/>

--- a/docs/Flexbox_Grid.pptx
+++ b/docs/Flexbox_Grid.pptx
@@ -8608,11 +8608,11 @@
               <a:t>Grid </a:t>
             </a:r>
             <a:r>
-              <a:rPr lang="en-US" sz="2600" b="1" dirty="0" err="1" smtClean="0">
-                <a:latin typeface="Arial" panose="020B0604020202020204" pitchFamily="34" charset="0"/>
-                <a:cs typeface="Arial" panose="020B0604020202020204" pitchFamily="34" charset="0"/>
-              </a:rPr>
-              <a:t>properities</a:t>
+              <a:rPr lang="en-US" sz="2600" b="1" dirty="0" smtClean="0">
+                <a:latin typeface="Arial" panose="020B0604020202020204" pitchFamily="34" charset="0"/>
+                <a:cs typeface="Arial" panose="020B0604020202020204" pitchFamily="34" charset="0"/>
+              </a:rPr>
+              <a:t>properties</a:t>
             </a:r>
             <a:r>
               <a:rPr lang="en-US" sz="2600" b="1" dirty="0" smtClean="0">
@@ -8629,7 +8629,7 @@
           <a:p>
             <a:pPr algn="just"/>
             <a:r>
-              <a:rPr lang="en-US" sz="2600" smtClean="0">
+              <a:rPr lang="en-US" sz="2600" dirty="0" smtClean="0">
                 <a:latin typeface="Arial" panose="020B0604020202020204" pitchFamily="34" charset="0"/>
                 <a:cs typeface="Arial" panose="020B0604020202020204" pitchFamily="34" charset="0"/>
               </a:rPr>
